--- a/Sentiment analysis of historical text.pptx
+++ b/Sentiment analysis of historical text.pptx
@@ -115,6 +115,11 @@
       </a:defRPr>
     </a:lvl9pPr>
   </p:defaultTextStyle>
+  <p:extLst>
+    <p:ext uri="{EFAFB233-063F-42B5-8137-9DF3F51BA10A}">
+      <p15:sldGuideLst xmlns:p15="http://schemas.microsoft.com/office/powerpoint/2012/main"/>
+    </p:ext>
+  </p:extLst>
 </p:presentation>
 </file>
 
@@ -303,7 +308,7 @@
           <a:p>
             <a:fld id="{02AC24A9-CCB6-4F8D-B8DB-C2F3692CFA5A}" type="datetimeFigureOut">
               <a:rPr lang="en-US" smtClean="0"/>
-              <a:t>3/27/2024</a:t>
+              <a:t>4/2/2024</a:t>
             </a:fld>
             <a:endParaRPr lang="en-US" dirty="0"/>
           </a:p>
@@ -601,7 +606,7 @@
           <a:p>
             <a:fld id="{02AC24A9-CCB6-4F8D-B8DB-C2F3692CFA5A}" type="datetimeFigureOut">
               <a:rPr lang="en-US" smtClean="0"/>
-              <a:t>3/27/2024</a:t>
+              <a:t>4/2/2024</a:t>
             </a:fld>
             <a:endParaRPr lang="en-US"/>
           </a:p>
@@ -793,7 +798,7 @@
           <a:p>
             <a:fld id="{02AC24A9-CCB6-4F8D-B8DB-C2F3692CFA5A}" type="datetimeFigureOut">
               <a:rPr lang="en-US" smtClean="0"/>
-              <a:t>3/27/2024</a:t>
+              <a:t>4/2/2024</a:t>
             </a:fld>
             <a:endParaRPr lang="en-US"/>
           </a:p>
@@ -1054,7 +1059,7 @@
           <a:p>
             <a:fld id="{02AC24A9-CCB6-4F8D-B8DB-C2F3692CFA5A}" type="datetimeFigureOut">
               <a:rPr lang="en-US" smtClean="0"/>
-              <a:t>3/27/2024</a:t>
+              <a:t>4/2/2024</a:t>
             </a:fld>
             <a:endParaRPr lang="en-US"/>
           </a:p>
@@ -1478,7 +1483,7 @@
           <a:p>
             <a:fld id="{02AC24A9-CCB6-4F8D-B8DB-C2F3692CFA5A}" type="datetimeFigureOut">
               <a:rPr lang="en-US" smtClean="0"/>
-              <a:t>3/27/2024</a:t>
+              <a:t>4/2/2024</a:t>
             </a:fld>
             <a:endParaRPr lang="en-US"/>
           </a:p>
@@ -2015,7 +2020,7 @@
           <a:p>
             <a:fld id="{02AC24A9-CCB6-4F8D-B8DB-C2F3692CFA5A}" type="datetimeFigureOut">
               <a:rPr lang="en-US" smtClean="0"/>
-              <a:t>3/27/2024</a:t>
+              <a:t>4/2/2024</a:t>
             </a:fld>
             <a:endParaRPr lang="en-US"/>
           </a:p>
@@ -2879,7 +2884,7 @@
           <a:p>
             <a:fld id="{02AC24A9-CCB6-4F8D-B8DB-C2F3692CFA5A}" type="datetimeFigureOut">
               <a:rPr lang="en-US" smtClean="0"/>
-              <a:t>3/27/2024</a:t>
+              <a:t>4/2/2024</a:t>
             </a:fld>
             <a:endParaRPr lang="en-US"/>
           </a:p>
@@ -3049,7 +3054,7 @@
           <a:p>
             <a:fld id="{02AC24A9-CCB6-4F8D-B8DB-C2F3692CFA5A}" type="datetimeFigureOut">
               <a:rPr lang="en-US" smtClean="0"/>
-              <a:t>3/27/2024</a:t>
+              <a:t>4/2/2024</a:t>
             </a:fld>
             <a:endParaRPr lang="en-US"/>
           </a:p>
@@ -3233,7 +3238,7 @@
           <a:p>
             <a:fld id="{02AC24A9-CCB6-4F8D-B8DB-C2F3692CFA5A}" type="datetimeFigureOut">
               <a:rPr lang="en-US" smtClean="0"/>
-              <a:t>3/27/2024</a:t>
+              <a:t>4/2/2024</a:t>
             </a:fld>
             <a:endParaRPr lang="en-US"/>
           </a:p>
@@ -3403,7 +3408,7 @@
           <a:p>
             <a:fld id="{02AC24A9-CCB6-4F8D-B8DB-C2F3692CFA5A}" type="datetimeFigureOut">
               <a:rPr lang="en-US" smtClean="0"/>
-              <a:t>3/27/2024</a:t>
+              <a:t>4/2/2024</a:t>
             </a:fld>
             <a:endParaRPr lang="en-US"/>
           </a:p>
@@ -3647,7 +3652,7 @@
           <a:p>
             <a:fld id="{02AC24A9-CCB6-4F8D-B8DB-C2F3692CFA5A}" type="datetimeFigureOut">
               <a:rPr lang="en-US" smtClean="0"/>
-              <a:t>3/27/2024</a:t>
+              <a:t>4/2/2024</a:t>
             </a:fld>
             <a:endParaRPr lang="en-US"/>
           </a:p>
@@ -3883,7 +3888,7 @@
           <a:p>
             <a:fld id="{02AC24A9-CCB6-4F8D-B8DB-C2F3692CFA5A}" type="datetimeFigureOut">
               <a:rPr lang="en-US" smtClean="0"/>
-              <a:t>3/27/2024</a:t>
+              <a:t>4/2/2024</a:t>
             </a:fld>
             <a:endParaRPr lang="en-US"/>
           </a:p>
@@ -4349,7 +4354,7 @@
           <a:p>
             <a:fld id="{02AC24A9-CCB6-4F8D-B8DB-C2F3692CFA5A}" type="datetimeFigureOut">
               <a:rPr lang="en-US" smtClean="0"/>
-              <a:t>3/27/2024</a:t>
+              <a:t>4/2/2024</a:t>
             </a:fld>
             <a:endParaRPr lang="en-US"/>
           </a:p>
@@ -4467,7 +4472,7 @@
           <a:p>
             <a:fld id="{02AC24A9-CCB6-4F8D-B8DB-C2F3692CFA5A}" type="datetimeFigureOut">
               <a:rPr lang="en-US" smtClean="0"/>
-              <a:t>3/27/2024</a:t>
+              <a:t>4/2/2024</a:t>
             </a:fld>
             <a:endParaRPr lang="en-US"/>
           </a:p>
@@ -4562,7 +4567,7 @@
           <a:p>
             <a:fld id="{02AC24A9-CCB6-4F8D-B8DB-C2F3692CFA5A}" type="datetimeFigureOut">
               <a:rPr lang="en-US" smtClean="0"/>
-              <a:t>3/27/2024</a:t>
+              <a:t>4/2/2024</a:t>
             </a:fld>
             <a:endParaRPr lang="en-US"/>
           </a:p>
@@ -4817,7 +4822,7 @@
           <a:p>
             <a:fld id="{02AC24A9-CCB6-4F8D-B8DB-C2F3692CFA5A}" type="datetimeFigureOut">
               <a:rPr lang="en-US" smtClean="0"/>
-              <a:t>3/27/2024</a:t>
+              <a:t>4/2/2024</a:t>
             </a:fld>
             <a:endParaRPr lang="en-US" dirty="0"/>
           </a:p>
@@ -5117,7 +5122,7 @@
           <a:p>
             <a:fld id="{02AC24A9-CCB6-4F8D-B8DB-C2F3692CFA5A}" type="datetimeFigureOut">
               <a:rPr lang="en-US" smtClean="0"/>
-              <a:t>3/27/2024</a:t>
+              <a:t>4/2/2024</a:t>
             </a:fld>
             <a:endParaRPr lang="en-US"/>
           </a:p>
@@ -5351,7 +5356,7 @@
           <a:p>
             <a:fld id="{02AC24A9-CCB6-4F8D-B8DB-C2F3692CFA5A}" type="datetimeFigureOut">
               <a:rPr lang="en-US" smtClean="0"/>
-              <a:t>3/27/2024</a:t>
+              <a:t>4/2/2024</a:t>
             </a:fld>
             <a:endParaRPr lang="en-US"/>
           </a:p>
@@ -7646,29 +7651,72 @@
           <a:p>
             <a:r>
               <a:rPr lang="en-IN" b="0" i="0" dirty="0">
-                <a:solidFill>
-                  <a:srgbClr val="0D0D0D"/>
-                </a:solidFill>
                 <a:effectLst/>
                 <a:latin typeface="Times New Roman" panose="02020603050405020304" pitchFamily="18" charset="0"/>
                 <a:cs typeface="Times New Roman" panose="02020603050405020304" pitchFamily="18" charset="0"/>
               </a:rPr>
-              <a:t>June 12, 1929 - </a:t>
-            </a:r>
-            <a:r>
-              <a:rPr lang="en-IN" b="0" i="0" dirty="0">
-                <a:solidFill>
-                  <a:srgbClr val="1A1A1A"/>
-                </a:solidFill>
-                <a:effectLst/>
-                <a:latin typeface="Times New Roman" panose="02020603050405020304" pitchFamily="18" charset="0"/>
-                <a:cs typeface="Times New Roman" panose="02020603050405020304" pitchFamily="18" charset="0"/>
-              </a:rPr>
-              <a:t>March 1945</a:t>
+              <a:t>June 12, 1929 - March 1945</a:t>
             </a:r>
             <a:endParaRPr lang="en-IN" dirty="0">
               <a:latin typeface="Times New Roman" panose="02020603050405020304" pitchFamily="18" charset="0"/>
               <a:cs typeface="Times New Roman" panose="02020603050405020304" pitchFamily="18" charset="0"/>
+            </a:endParaRPr>
+          </a:p>
+        </p:txBody>
+      </p:sp>
+      <p:sp>
+        <p:nvSpPr>
+          <p:cNvPr id="3" name="TextBox 2">
+            <a:extLst>
+              <a:ext uri="{FF2B5EF4-FFF2-40B4-BE49-F238E27FC236}">
+                <a16:creationId xmlns:a16="http://schemas.microsoft.com/office/drawing/2014/main" id="{F02186EA-2B18-9E2F-D7D0-AF2D99A6F968}"/>
+              </a:ext>
+            </a:extLst>
+          </p:cNvPr>
+          <p:cNvSpPr txBox="1"/>
+          <p:nvPr/>
+        </p:nvSpPr>
+        <p:spPr>
+          <a:xfrm>
+            <a:off x="11297263" y="6488668"/>
+            <a:ext cx="1425677" cy="369332"/>
+          </a:xfrm>
+          <a:prstGeom prst="rect">
+            <a:avLst/>
+          </a:prstGeom>
+          <a:noFill/>
+        </p:spPr>
+        <p:txBody>
+          <a:bodyPr wrap="square" rtlCol="0">
+            <a:spAutoFit/>
+          </a:bodyPr>
+          <a:lstStyle/>
+          <a:p>
+            <a:r>
+              <a:rPr lang="en-US" u="sng" dirty="0">
+                <a:solidFill>
+                  <a:schemeClr val="bg2">
+                    <a:lumMod val="50000"/>
+                    <a:lumOff val="50000"/>
+                  </a:schemeClr>
+                </a:solidFill>
+                <a:hlinkClick r:id="rId4">
+                  <a:extLst>
+                    <a:ext uri="{A12FA001-AC4F-418D-AE19-62706E023703}">
+                      <ahyp:hlinkClr xmlns:ahyp="http://schemas.microsoft.com/office/drawing/2018/hyperlinkcolor" val="tx"/>
+                    </a:ext>
+                  </a:extLst>
+                </a:hlinkClick>
+              </a:rPr>
+              <a:t>Img Src</a:t>
+            </a:r>
+            <a:endParaRPr lang="en-IN" u="sng" dirty="0">
+              <a:solidFill>
+                <a:schemeClr val="bg2">
+                  <a:lumMod val="50000"/>
+                  <a:lumOff val="50000"/>
+                </a:schemeClr>
+              </a:solidFill>
             </a:endParaRPr>
           </a:p>
         </p:txBody>
@@ -7834,7 +7882,40 @@
                   </a:extLst>
                 </a:hlinkClick>
               </a:rPr>
-              <a:t>Img src</a:t>
+              <a:t>Img </a:t>
+            </a:r>
+            <a:r>
+              <a:rPr lang="en-US" dirty="0" err="1">
+                <a:ln>
+                  <a:solidFill>
+                    <a:schemeClr val="bg1">
+                      <a:lumMod val="75000"/>
+                      <a:lumOff val="25000"/>
+                      <a:alpha val="10000"/>
+                    </a:schemeClr>
+                  </a:solidFill>
+                </a:ln>
+                <a:solidFill>
+                  <a:schemeClr val="tx2">
+                    <a:lumMod val="50000"/>
+                  </a:schemeClr>
+                </a:solidFill>
+                <a:effectLst>
+                  <a:outerShdw blurRad="9525" dist="25400" dir="14640000" algn="tl" rotWithShape="0">
+                    <a:schemeClr val="bg1">
+                      <a:alpha val="30000"/>
+                    </a:schemeClr>
+                  </a:outerShdw>
+                </a:effectLst>
+                <a:hlinkClick r:id="rId3">
+                  <a:extLst>
+                    <a:ext uri="{A12FA001-AC4F-418D-AE19-62706E023703}">
+                      <ahyp:hlinkClr xmlns:ahyp="http://schemas.microsoft.com/office/drawing/2018/hyperlinkcolor" val="tx"/>
+                    </a:ext>
+                  </a:extLst>
+                </a:hlinkClick>
+              </a:rPr>
+              <a:t>src</a:t>
             </a:r>
             <a:r>
               <a:rPr lang="en-US" dirty="0">
@@ -7911,8 +7992,8 @@
         </p:nvSpPr>
         <p:spPr>
           <a:xfrm>
-            <a:off x="913795" y="1946787"/>
-            <a:ext cx="5624657" cy="3519948"/>
+            <a:off x="913795" y="1675200"/>
+            <a:ext cx="5624657" cy="4247317"/>
           </a:xfrm>
           <a:prstGeom prst="rect">
             <a:avLst/>
@@ -7936,7 +8017,7 @@
                 <a:ea typeface="Calibri" panose="020F0502020204030204" pitchFamily="34" charset="0"/>
                 <a:cs typeface="Times New Roman" panose="02020603050405020304" pitchFamily="18" charset="0"/>
               </a:rPr>
-              <a:t>Synthesis of historical texts by NLP, as shown in Anne Frank's diary, brings out amazing information about the history of mankind. Anne's diary, a witness to her emotional journey, revealed her inner conflict. NLP algorithms along with the NRC Emotion Lexicon help to elucidate Anne's inner emotions and Streamlit shows us her courage and pivotal moments. Apart from individual emotions, this research adduces the patterns of psychology that shape the course of historical events. Anne's transcendent strength is what is left that will contribute to the improvement of cultural traditions and development of cultural identity.</a:t>
+              <a:t>Sentiment analysis applied to historical documents helps us in peeling off the layers of cultural background in a novel way. The emphasis of the research is on Anne Frank's emotional diary, which is an important historical document that presents us with a penetrating and vivid impression of that turbulent time. Synthesis of historical texts by NLP, as shown in Anne Frank's diary, brings out amazing information about the history of mankind. Anne's diary, a witness to her emotional journey, revealed her inner conflict. NLP algorithms along with the NRC Emotion Lexicon help to elucidate Anne's inner emotions and Streamlit shows us her courage and pivotal moments. Anne's transcendent strength is what is left that will contribute to the improvement of cultural traditions and development of cultural identity.</a:t>
             </a:r>
           </a:p>
         </p:txBody>
@@ -8125,7 +8206,7 @@
                 <a:ea typeface="Calibri" charset="0"/>
                 <a:cs typeface="Times New Roman" panose="02020603050405020304" pitchFamily="18" charset="0"/>
               </a:rPr>
-              <a:t>Sentiment Score Calculation and Labeling: The difference between the positive and negative emotions can be measured. Thus, this helps in calculating the sentiment scores and you can place them in clearly defined categories. </a:t>
+              <a:t>Sentiment Score Calculation and Labeling: The difference between the positive and negative emotions can be measured. Thus, this helps in calculating the sentiment scores and you can place them in clearly predefined categories. </a:t>
             </a:r>
           </a:p>
           <a:p>
@@ -8185,7 +8266,15 @@
                 <a:ea typeface="Calibri" charset="0"/>
                 <a:cs typeface="Times New Roman" panose="02020603050405020304" pitchFamily="18" charset="0"/>
               </a:rPr>
-              <a:t> Visualizing the extracted data in Streamlit</a:t>
+              <a:t> Visualizing the extracted data in </a:t>
+            </a:r>
+            <a:r>
+              <a:rPr lang="en-US" altLang="en-US" sz="1400" dirty="0" err="1">
+                <a:latin typeface="Times New Roman" panose="02020603050405020304" pitchFamily="18" charset="0"/>
+                <a:ea typeface="Calibri" charset="0"/>
+                <a:cs typeface="Times New Roman" panose="02020603050405020304" pitchFamily="18" charset="0"/>
+              </a:rPr>
+              <a:t>Streamlit</a:t>
             </a:r>
             <a:endParaRPr lang="en-US" sz="1400" dirty="0">
               <a:latin typeface="Times New Roman" panose="02020603050405020304" pitchFamily="18" charset="0"/>
@@ -8949,7 +9038,7 @@
               </a:spcAft>
             </a:pPr>
             <a:r>
-              <a:rPr lang="en-US" sz="1428" kern="1200">
+              <a:rPr lang="en-US" sz="1428" kern="1200" dirty="0">
                 <a:solidFill>
                   <a:schemeClr val="tx1"/>
                 </a:solidFill>
@@ -8959,7 +9048,7 @@
               </a:rPr>
               <a:t>The word 'war' taken from the NRC Emotion Lexicon. While the term 'war' is typically considered a negative word with the emotion of fear therefore receiving a sentimental score of 1 for fear and 0 for the other emotions.</a:t>
             </a:r>
-            <a:endParaRPr lang="en-IN" sz="1700">
+            <a:endParaRPr lang="en-IN" sz="1700" dirty="0">
               <a:latin typeface="Times New Roman" panose="02020603050405020304" pitchFamily="18" charset="0"/>
               <a:cs typeface="Times New Roman" panose="02020603050405020304" pitchFamily="18" charset="0"/>
             </a:endParaRPr>
@@ -9080,7 +9169,7 @@
           <a:lstStyle/>
           <a:p>
             <a:r>
-              <a:rPr lang="en-US" sz="1700">
+              <a:rPr lang="en-US" sz="1700" dirty="0">
                 <a:effectLst/>
                 <a:latin typeface="Times New Roman" panose="02020603050405020304" pitchFamily="18" charset="0"/>
                 <a:ea typeface="Times New Roman" panose="02020603050405020304" pitchFamily="18" charset="0"/>
@@ -9093,7 +9182,7 @@
               <a:buNone/>
             </a:pPr>
             <a:br>
-              <a:rPr lang="en-US" sz="1700">
+              <a:rPr lang="en-US" sz="1700" dirty="0">
                 <a:effectLst/>
                 <a:latin typeface="Times New Roman" panose="02020603050405020304" pitchFamily="18" charset="0"/>
                 <a:ea typeface="Times New Roman" panose="02020603050405020304" pitchFamily="18" charset="0"/>
@@ -9304,7 +9393,7 @@
               </a:buClr>
             </a:pPr>
             <a:r>
-              <a:rPr lang="en-US">
+              <a:rPr lang="en-US" dirty="0">
                 <a:effectLst/>
                 <a:latin typeface="Times New Roman" panose="02020603050405020304" pitchFamily="18" charset="0"/>
                 <a:ea typeface="Times New Roman" panose="02020603050405020304" pitchFamily="18" charset="0"/>
@@ -9319,7 +9408,7 @@
               </a:buClr>
             </a:pPr>
             <a:r>
-              <a:rPr lang="en-US">
+              <a:rPr lang="en-US" dirty="0">
                 <a:effectLst/>
                 <a:latin typeface="Times New Roman" panose="02020603050405020304" pitchFamily="18" charset="0"/>
                 <a:ea typeface="Times New Roman" panose="02020603050405020304" pitchFamily="18" charset="0"/>
@@ -9333,7 +9422,7 @@
                 <a:srgbClr val="FF9C00"/>
               </a:buClr>
             </a:pPr>
-            <a:endParaRPr lang="en-IN"/>
+            <a:endParaRPr lang="en-IN" dirty="0"/>
           </a:p>
         </p:txBody>
       </p:sp>

--- a/Sentiment analysis of historical text.pptx
+++ b/Sentiment analysis of historical text.pptx
@@ -6,17 +6,18 @@
   </p:sldMasterIdLst>
   <p:sldIdLst>
     <p:sldId id="256" r:id="rId2"/>
-    <p:sldId id="258" r:id="rId3"/>
-    <p:sldId id="259" r:id="rId4"/>
-    <p:sldId id="260" r:id="rId5"/>
-    <p:sldId id="261" r:id="rId6"/>
-    <p:sldId id="262" r:id="rId7"/>
-    <p:sldId id="264" r:id="rId8"/>
-    <p:sldId id="265" r:id="rId9"/>
-    <p:sldId id="266" r:id="rId10"/>
-    <p:sldId id="267" r:id="rId11"/>
-    <p:sldId id="268" r:id="rId12"/>
-    <p:sldId id="269" r:id="rId13"/>
+    <p:sldId id="270" r:id="rId3"/>
+    <p:sldId id="258" r:id="rId4"/>
+    <p:sldId id="259" r:id="rId5"/>
+    <p:sldId id="260" r:id="rId6"/>
+    <p:sldId id="261" r:id="rId7"/>
+    <p:sldId id="262" r:id="rId8"/>
+    <p:sldId id="264" r:id="rId9"/>
+    <p:sldId id="265" r:id="rId10"/>
+    <p:sldId id="266" r:id="rId11"/>
+    <p:sldId id="267" r:id="rId12"/>
+    <p:sldId id="268" r:id="rId13"/>
+    <p:sldId id="269" r:id="rId14"/>
   </p:sldIdLst>
   <p:sldSz cx="12192000" cy="6858000"/>
   <p:notesSz cx="6858000" cy="9144000"/>
@@ -6440,6 +6441,261 @@
 <file path=ppt/slides/slide10.xml><?xml version="1.0" encoding="utf-8"?>
 <p:sld xmlns:a="http://schemas.openxmlformats.org/drawingml/2006/main" xmlns:r="http://schemas.openxmlformats.org/officeDocument/2006/relationships" xmlns:p="http://schemas.openxmlformats.org/presentationml/2006/main">
   <p:cSld>
+    <p:spTree>
+      <p:nvGrpSpPr>
+        <p:cNvPr id="1" name=""/>
+        <p:cNvGrpSpPr/>
+        <p:nvPr/>
+      </p:nvGrpSpPr>
+      <p:grpSpPr>
+        <a:xfrm>
+          <a:off x="0" y="0"/>
+          <a:ext cx="0" cy="0"/>
+          <a:chOff x="0" y="0"/>
+          <a:chExt cx="0" cy="0"/>
+        </a:xfrm>
+      </p:grpSpPr>
+      <p:sp>
+        <p:nvSpPr>
+          <p:cNvPr id="2" name="Title 1">
+            <a:extLst>
+              <a:ext uri="{FF2B5EF4-FFF2-40B4-BE49-F238E27FC236}">
+                <a16:creationId xmlns:a16="http://schemas.microsoft.com/office/drawing/2014/main" id="{8A144283-2902-5B32-9EC7-50A9391C4F03}"/>
+              </a:ext>
+            </a:extLst>
+          </p:cNvPr>
+          <p:cNvSpPr>
+            <a:spLocks noGrp="1"/>
+          </p:cNvSpPr>
+          <p:nvPr>
+            <p:ph type="title"/>
+          </p:nvPr>
+        </p:nvSpPr>
+        <p:spPr/>
+        <p:txBody>
+          <a:bodyPr/>
+          <a:lstStyle/>
+          <a:p>
+            <a:r>
+              <a:rPr lang="en-US" dirty="0"/>
+              <a:t>Visualization </a:t>
+            </a:r>
+            <a:endParaRPr lang="en-IN" dirty="0"/>
+          </a:p>
+        </p:txBody>
+      </p:sp>
+      <p:sp>
+        <p:nvSpPr>
+          <p:cNvPr id="3" name="Content Placeholder 2">
+            <a:extLst>
+              <a:ext uri="{FF2B5EF4-FFF2-40B4-BE49-F238E27FC236}">
+                <a16:creationId xmlns:a16="http://schemas.microsoft.com/office/drawing/2014/main" id="{FDA49148-8DE8-52B8-587A-9A7CACF41173}"/>
+              </a:ext>
+            </a:extLst>
+          </p:cNvPr>
+          <p:cNvSpPr>
+            <a:spLocks noGrp="1"/>
+          </p:cNvSpPr>
+          <p:nvPr>
+            <p:ph idx="1"/>
+          </p:nvPr>
+        </p:nvSpPr>
+        <p:spPr/>
+        <p:txBody>
+          <a:bodyPr/>
+          <a:lstStyle/>
+          <a:p>
+            <a:pPr algn="l"/>
+            <a:r>
+              <a:rPr lang="en-US" b="0" i="0" dirty="0">
+                <a:effectLst/>
+                <a:latin typeface="Axiforma"/>
+              </a:rPr>
+              <a:t>With the help of Streamlit, created an online application for the emotional trends in Anne Frank's diary so that the users can analyze them. The program will show a real-time emotional counts, distribution of sentiment scores, word frequencies and the like by means of different charts, e.g., word clouds, pie charts, histograms, and line charts.</a:t>
+            </a:r>
+          </a:p>
+          <a:p>
+            <a:pPr algn="l"/>
+            <a:r>
+              <a:rPr lang="en-US" dirty="0">
+                <a:effectLst/>
+                <a:latin typeface="Axiforma"/>
+              </a:rPr>
+              <a:t>User</a:t>
+            </a:r>
+            <a:r>
+              <a:rPr lang="en-US" b="0" i="0" dirty="0">
+                <a:effectLst/>
+                <a:latin typeface="Axiforma"/>
+              </a:rPr>
+              <a:t> can develop the code for Streamlit application by creating a Python script (.</a:t>
+            </a:r>
+            <a:r>
+              <a:rPr lang="en-US" b="0" i="0" dirty="0" err="1">
+                <a:effectLst/>
+                <a:latin typeface="Axiforma"/>
+              </a:rPr>
+              <a:t>py</a:t>
+            </a:r>
+            <a:r>
+              <a:rPr lang="en-US" b="0" i="0" dirty="0">
+                <a:effectLst/>
+                <a:latin typeface="Axiforma"/>
+              </a:rPr>
+              <a:t> file).</a:t>
+            </a:r>
+          </a:p>
+          <a:p>
+            <a:r>
+              <a:rPr lang="en-US" dirty="0">
+                <a:solidFill>
+                  <a:schemeClr val="tx1"/>
+                </a:solidFill>
+                <a:effectLst/>
+                <a:latin typeface="Times New Roman" panose="02020603050405020304" pitchFamily="18" charset="0"/>
+                <a:cs typeface="Times New Roman" panose="02020603050405020304" pitchFamily="18" charset="0"/>
+              </a:rPr>
+              <a:t>Click </a:t>
+            </a:r>
+            <a:r>
+              <a:rPr lang="en-US" dirty="0">
+                <a:solidFill>
+                  <a:schemeClr val="tx1"/>
+                </a:solidFill>
+                <a:effectLst/>
+                <a:latin typeface="Times New Roman" panose="02020603050405020304" pitchFamily="18" charset="0"/>
+                <a:cs typeface="Times New Roman" panose="02020603050405020304" pitchFamily="18" charset="0"/>
+                <a:hlinkClick r:id="rId2"/>
+              </a:rPr>
+              <a:t>here</a:t>
+            </a:r>
+            <a:r>
+              <a:rPr lang="en-US" dirty="0">
+                <a:solidFill>
+                  <a:schemeClr val="tx1"/>
+                </a:solidFill>
+                <a:effectLst/>
+                <a:latin typeface="Times New Roman" panose="02020603050405020304" pitchFamily="18" charset="0"/>
+                <a:cs typeface="Times New Roman" panose="02020603050405020304" pitchFamily="18" charset="0"/>
+              </a:rPr>
+              <a:t> for Streamlit App’s Link.</a:t>
+            </a:r>
+            <a:endParaRPr lang="en-IN" dirty="0"/>
+          </a:p>
+        </p:txBody>
+      </p:sp>
+      <p:pic>
+        <p:nvPicPr>
+          <p:cNvPr id="2060" name="Picture 12" descr="Introduction to Streamlit and Streamlit Components">
+            <a:hlinkClick r:id="rId3"/>
+            <a:extLst>
+              <a:ext uri="{FF2B5EF4-FFF2-40B4-BE49-F238E27FC236}">
+                <a16:creationId xmlns:a16="http://schemas.microsoft.com/office/drawing/2014/main" id="{381AE749-6300-A9DA-9403-F02FC455E5D7}"/>
+              </a:ext>
+            </a:extLst>
+          </p:cNvPr>
+          <p:cNvPicPr>
+            <a:picLocks noChangeAspect="1" noChangeArrowheads="1"/>
+          </p:cNvPicPr>
+          <p:nvPr/>
+        </p:nvPicPr>
+        <p:blipFill>
+          <a:blip r:embed="rId4">
+            <a:extLst>
+              <a:ext uri="{28A0092B-C50C-407E-A947-70E740481C1C}">
+                <a14:useLocalDpi xmlns:a14="http://schemas.microsoft.com/office/drawing/2010/main" val="0"/>
+              </a:ext>
+            </a:extLst>
+          </a:blip>
+          <a:srcRect/>
+          <a:stretch>
+            <a:fillRect/>
+          </a:stretch>
+        </p:blipFill>
+        <p:spPr bwMode="auto">
+          <a:xfrm>
+            <a:off x="6520786" y="4322046"/>
+            <a:ext cx="1816970" cy="1632973"/>
+          </a:xfrm>
+          <a:prstGeom prst="rect">
+            <a:avLst/>
+          </a:prstGeom>
+          <a:noFill/>
+          <a:extLst>
+            <a:ext uri="{909E8E84-426E-40DD-AFC4-6F175D3DCCD1}">
+              <a14:hiddenFill xmlns:a14="http://schemas.microsoft.com/office/drawing/2010/main">
+                <a:solidFill>
+                  <a:srgbClr val="FFFFFF"/>
+                </a:solidFill>
+              </a14:hiddenFill>
+            </a:ext>
+          </a:extLst>
+        </p:spPr>
+      </p:pic>
+      <p:pic>
+        <p:nvPicPr>
+          <p:cNvPr id="2062" name="Picture 14" descr="Quick and easy text based game in python tutorial 2 - YouTube">
+            <a:hlinkClick r:id="rId5"/>
+            <a:extLst>
+              <a:ext uri="{FF2B5EF4-FFF2-40B4-BE49-F238E27FC236}">
+                <a16:creationId xmlns:a16="http://schemas.microsoft.com/office/drawing/2014/main" id="{C655B2C5-606A-C456-E653-E0B6120C6D1E}"/>
+              </a:ext>
+            </a:extLst>
+          </p:cNvPr>
+          <p:cNvPicPr>
+            <a:picLocks noChangeAspect="1" noChangeArrowheads="1"/>
+          </p:cNvPicPr>
+          <p:nvPr/>
+        </p:nvPicPr>
+        <p:blipFill>
+          <a:blip r:embed="rId6">
+            <a:extLst>
+              <a:ext uri="{28A0092B-C50C-407E-A947-70E740481C1C}">
+                <a14:useLocalDpi xmlns:a14="http://schemas.microsoft.com/office/drawing/2010/main" val="0"/>
+              </a:ext>
+            </a:extLst>
+          </a:blip>
+          <a:srcRect/>
+          <a:stretch>
+            <a:fillRect/>
+          </a:stretch>
+        </p:blipFill>
+        <p:spPr bwMode="auto">
+          <a:xfrm>
+            <a:off x="2823240" y="4354819"/>
+            <a:ext cx="2847975" cy="1600200"/>
+          </a:xfrm>
+          <a:prstGeom prst="rect">
+            <a:avLst/>
+          </a:prstGeom>
+          <a:noFill/>
+          <a:extLst>
+            <a:ext uri="{909E8E84-426E-40DD-AFC4-6F175D3DCCD1}">
+              <a14:hiddenFill xmlns:a14="http://schemas.microsoft.com/office/drawing/2010/main">
+                <a:solidFill>
+                  <a:srgbClr val="FFFFFF"/>
+                </a:solidFill>
+              </a14:hiddenFill>
+            </a:ext>
+          </a:extLst>
+        </p:spPr>
+      </p:pic>
+    </p:spTree>
+    <p:extLst>
+      <p:ext uri="{BB962C8B-B14F-4D97-AF65-F5344CB8AC3E}">
+        <p14:creationId xmlns:p14="http://schemas.microsoft.com/office/powerpoint/2010/main" val="1808486421"/>
+      </p:ext>
+    </p:extLst>
+  </p:cSld>
+  <p:clrMapOvr>
+    <a:masterClrMapping/>
+  </p:clrMapOvr>
+</p:sld>
+</file>
+
+<file path=ppt/slides/slide11.xml><?xml version="1.0" encoding="utf-8"?>
+<p:sld xmlns:a="http://schemas.openxmlformats.org/drawingml/2006/main" xmlns:r="http://schemas.openxmlformats.org/officeDocument/2006/relationships" xmlns:p="http://schemas.openxmlformats.org/presentationml/2006/main">
+  <p:cSld>
     <p:bg>
       <p:bgPr>
         <a:solidFill>
@@ -6690,7 +6946,7 @@
 </p:sld>
 </file>
 
-<file path=ppt/slides/slide11.xml><?xml version="1.0" encoding="utf-8"?>
+<file path=ppt/slides/slide12.xml><?xml version="1.0" encoding="utf-8"?>
 <p:sld xmlns:a="http://schemas.openxmlformats.org/drawingml/2006/main" xmlns:r="http://schemas.openxmlformats.org/officeDocument/2006/relationships" xmlns:p="http://schemas.openxmlformats.org/presentationml/2006/main">
   <p:cSld>
     <p:bg>
@@ -6929,7 +7185,7 @@
 </p:sld>
 </file>
 
-<file path=ppt/slides/slide12.xml><?xml version="1.0" encoding="utf-8"?>
+<file path=ppt/slides/slide13.xml><?xml version="1.0" encoding="utf-8"?>
 <p:sld xmlns:a="http://schemas.openxmlformats.org/drawingml/2006/main" xmlns:r="http://schemas.openxmlformats.org/officeDocument/2006/relationships" xmlns:p="http://schemas.openxmlformats.org/presentationml/2006/main">
   <p:cSld>
     <p:bg>
@@ -7775,7 +8031,7 @@
           <p:cNvPr id="2" name="Title 1">
             <a:extLst>
               <a:ext uri="{FF2B5EF4-FFF2-40B4-BE49-F238E27FC236}">
-                <a16:creationId xmlns:a16="http://schemas.microsoft.com/office/drawing/2014/main" id="{3B3C0016-644C-3EAA-99E6-46FBA0B26D91}"/>
+                <a16:creationId xmlns:a16="http://schemas.microsoft.com/office/drawing/2014/main" id="{788F0F23-8E45-B122-7F0D-910B45EB4725}"/>
               </a:ext>
             </a:extLst>
           </p:cNvPr>
@@ -7793,7 +8049,43 @@
           </a:xfrm>
         </p:spPr>
         <p:txBody>
-          <a:bodyPr vert="horz" lIns="91440" tIns="45720" rIns="91440" bIns="45720" rtlCol="0" anchor="ctr">
+          <a:bodyPr>
+            <a:normAutofit/>
+          </a:bodyPr>
+          <a:lstStyle/>
+          <a:p>
+            <a:r>
+              <a:rPr lang="en-US" dirty="0"/>
+              <a:t>The Diary of Anne Frank</a:t>
+            </a:r>
+            <a:endParaRPr lang="en-IN" dirty="0"/>
+          </a:p>
+        </p:txBody>
+      </p:sp>
+      <p:sp>
+        <p:nvSpPr>
+          <p:cNvPr id="3" name="Content Placeholder 2">
+            <a:extLst>
+              <a:ext uri="{FF2B5EF4-FFF2-40B4-BE49-F238E27FC236}">
+                <a16:creationId xmlns:a16="http://schemas.microsoft.com/office/drawing/2014/main" id="{9022621A-EC43-E51A-EFDC-61C7276AAC66}"/>
+              </a:ext>
+            </a:extLst>
+          </p:cNvPr>
+          <p:cNvSpPr>
+            <a:spLocks noGrp="1"/>
+          </p:cNvSpPr>
+          <p:nvPr>
+            <p:ph idx="1"/>
+          </p:nvPr>
+        </p:nvSpPr>
+        <p:spPr>
+          <a:xfrm>
+            <a:off x="913795" y="1732449"/>
+            <a:ext cx="5546272" cy="4058751"/>
+          </a:xfrm>
+        </p:spPr>
+        <p:txBody>
+          <a:bodyPr anchor="ctr">
             <a:normAutofit/>
           </a:bodyPr>
           <a:lstStyle/>
@@ -7804,13 +8096,108 @@
               </a:lnSpc>
             </a:pPr>
             <a:r>
-              <a:rPr lang="en-US" sz="3100" b="0" i="0" dirty="0"/>
-              <a:t>Exploring Emotional Depths with Natural Language Processing</a:t>
-            </a:r>
-            <a:endParaRPr lang="en-US" sz="3100" dirty="0"/>
-          </a:p>
-        </p:txBody>
-      </p:sp>
+              <a:rPr lang="en-US" altLang="en-US" sz="1400" dirty="0">
+                <a:latin typeface="Times New Roman" panose="02020603050405020304" pitchFamily="18" charset="0"/>
+                <a:ea typeface="Calibri" panose="020F0502020204030204" pitchFamily="34" charset="0"/>
+                <a:cs typeface="Times New Roman" panose="02020603050405020304" pitchFamily="18" charset="0"/>
+              </a:rPr>
+              <a:t>Sentiment analysis applied to historical documents helps us in peeling off the layers of cultural background in a novel way. </a:t>
+            </a:r>
+          </a:p>
+          <a:p>
+            <a:pPr>
+              <a:lnSpc>
+                <a:spcPct val="90000"/>
+              </a:lnSpc>
+            </a:pPr>
+            <a:r>
+              <a:rPr lang="en-US" altLang="en-US" sz="1400" dirty="0">
+                <a:latin typeface="Times New Roman" panose="02020603050405020304" pitchFamily="18" charset="0"/>
+                <a:ea typeface="Calibri" panose="020F0502020204030204" pitchFamily="34" charset="0"/>
+                <a:cs typeface="Times New Roman" panose="02020603050405020304" pitchFamily="18" charset="0"/>
+              </a:rPr>
+              <a:t>Anne Frank, a young girl residing in the Netherlands, got a diary as </a:t>
+            </a:r>
+            <a:r>
+              <a:rPr lang="en-US" altLang="en-US" sz="1400">
+                <a:latin typeface="Times New Roman" panose="02020603050405020304" pitchFamily="18" charset="0"/>
+                <a:ea typeface="Calibri" panose="020F0502020204030204" pitchFamily="34" charset="0"/>
+                <a:cs typeface="Times New Roman" panose="02020603050405020304" pitchFamily="18" charset="0"/>
+              </a:rPr>
+              <a:t>her 13th </a:t>
+            </a:r>
+            <a:r>
+              <a:rPr lang="en-US" altLang="en-US" sz="1400" dirty="0">
+                <a:latin typeface="Times New Roman" panose="02020603050405020304" pitchFamily="18" charset="0"/>
+                <a:ea typeface="Calibri" panose="020F0502020204030204" pitchFamily="34" charset="0"/>
+                <a:cs typeface="Times New Roman" panose="02020603050405020304" pitchFamily="18" charset="0"/>
+              </a:rPr>
+              <a:t>birthday gift on 12th June 1942 while hiding in a secret annex. she wrote her diary for 2 years in a period from July 1942 to July 1944. She died in the Holocaust when she was 15 years old. Her father published her diary in 1947 two years after the war ended.</a:t>
+            </a:r>
+          </a:p>
+          <a:p>
+            <a:pPr>
+              <a:lnSpc>
+                <a:spcPct val="90000"/>
+              </a:lnSpc>
+            </a:pPr>
+            <a:r>
+              <a:rPr lang="en-US" altLang="en-US" sz="1400" dirty="0">
+                <a:latin typeface="Times New Roman" panose="02020603050405020304" pitchFamily="18" charset="0"/>
+                <a:ea typeface="Calibri" panose="020F0502020204030204" pitchFamily="34" charset="0"/>
+                <a:cs typeface="Times New Roman" panose="02020603050405020304" pitchFamily="18" charset="0"/>
+              </a:rPr>
+              <a:t>Anne Frank’s diary gives us access to the inner world of a young Jewish girl – her fears, thoughts and dreams that were set against the greatest tragedy the world has ever gone through – the World War II. Anne Frank's diary appeared to be an incredibly personal narrative— a tiny sparrow making an attempt to sing under the storm.</a:t>
+            </a:r>
+          </a:p>
+          <a:p>
+            <a:pPr>
+              <a:lnSpc>
+                <a:spcPct val="90000"/>
+              </a:lnSpc>
+            </a:pPr>
+            <a:r>
+              <a:rPr lang="en-US" altLang="en-US" sz="1400" dirty="0">
+                <a:latin typeface="Times New Roman" panose="02020603050405020304" pitchFamily="18" charset="0"/>
+                <a:ea typeface="Calibri" panose="020F0502020204030204" pitchFamily="34" charset="0"/>
+                <a:cs typeface="Times New Roman" panose="02020603050405020304" pitchFamily="18" charset="0"/>
+              </a:rPr>
+              <a:t>The emphasis of the research is on Anne Frank's emotional diary, which is an important historical document that presents us with a penetrating and vivid impression of that turbulent time.</a:t>
+            </a:r>
+            <a:endParaRPr lang="en-IN" sz="1400" dirty="0"/>
+          </a:p>
+        </p:txBody>
+      </p:sp>
+      <p:pic>
+        <p:nvPicPr>
+          <p:cNvPr id="4" name="Content Placeholder 3">
+            <a:extLst>
+              <a:ext uri="{FF2B5EF4-FFF2-40B4-BE49-F238E27FC236}">
+                <a16:creationId xmlns:a16="http://schemas.microsoft.com/office/drawing/2014/main" id="{E287ECA1-F594-EA34-1D8B-C3C9864DA7A2}"/>
+              </a:ext>
+            </a:extLst>
+          </p:cNvPr>
+          <p:cNvPicPr>
+            <a:picLocks noChangeAspect="1"/>
+          </p:cNvPicPr>
+          <p:nvPr/>
+        </p:nvPicPr>
+        <p:blipFill>
+          <a:blip r:embed="rId3"/>
+          <a:stretch>
+            <a:fillRect/>
+          </a:stretch>
+        </p:blipFill>
+        <p:spPr>
+          <a:xfrm>
+            <a:off x="7066560" y="2237276"/>
+            <a:ext cx="4065464" cy="3049098"/>
+          </a:xfrm>
+          <a:prstGeom prst="rect">
+            <a:avLst/>
+          </a:prstGeom>
+        </p:spPr>
+      </p:pic>
       <p:sp>
         <p:nvSpPr>
           <p:cNvPr id="5" name="TextBox 4">
@@ -7874,7 +8261,7 @@
                     </a:schemeClr>
                   </a:outerShdw>
                 </a:effectLst>
-                <a:hlinkClick r:id="rId3">
+                <a:hlinkClick r:id="rId4">
                   <a:extLst>
                     <a:ext uri="{A12FA001-AC4F-418D-AE19-62706E023703}">
                       <ahyp:hlinkClr xmlns:ahyp="http://schemas.microsoft.com/office/drawing/2018/hyperlinkcolor" val="tx"/>
@@ -7907,7 +8294,7 @@
                     </a:schemeClr>
                   </a:outerShdw>
                 </a:effectLst>
-                <a:hlinkClick r:id="rId3">
+                <a:hlinkClick r:id="rId4">
                   <a:extLst>
                     <a:ext uri="{A12FA001-AC4F-418D-AE19-62706E023703}">
                       <ahyp:hlinkClr xmlns:ahyp="http://schemas.microsoft.com/office/drawing/2018/hyperlinkcolor" val="tx"/>
@@ -7946,86 +8333,10 @@
           </a:p>
         </p:txBody>
       </p:sp>
-      <p:pic>
-        <p:nvPicPr>
-          <p:cNvPr id="8" name="Content Placeholder 3">
-            <a:extLst>
-              <a:ext uri="{FF2B5EF4-FFF2-40B4-BE49-F238E27FC236}">
-                <a16:creationId xmlns:a16="http://schemas.microsoft.com/office/drawing/2014/main" id="{53C0B3CD-A604-F644-C9B7-21A490FF8EA7}"/>
-              </a:ext>
-            </a:extLst>
-          </p:cNvPr>
-          <p:cNvPicPr>
-            <a:picLocks noGrp="1" noChangeAspect="1"/>
-          </p:cNvPicPr>
-          <p:nvPr>
-            <p:ph idx="1"/>
-          </p:nvPr>
-        </p:nvPicPr>
-        <p:blipFill>
-          <a:blip r:embed="rId4"/>
-          <a:stretch>
-            <a:fillRect/>
-          </a:stretch>
-        </p:blipFill>
-        <p:spPr>
-          <a:xfrm>
-            <a:off x="7066560" y="2237276"/>
-            <a:ext cx="4065464" cy="3049098"/>
-          </a:xfrm>
-          <a:prstGeom prst="rect">
-            <a:avLst/>
-          </a:prstGeom>
-        </p:spPr>
-      </p:pic>
-      <p:sp>
-        <p:nvSpPr>
-          <p:cNvPr id="9" name="TextBox 8">
-            <a:extLst>
-              <a:ext uri="{FF2B5EF4-FFF2-40B4-BE49-F238E27FC236}">
-                <a16:creationId xmlns:a16="http://schemas.microsoft.com/office/drawing/2014/main" id="{25628EAA-A44A-CF2A-F132-ABEBBEDFF7BE}"/>
-              </a:ext>
-            </a:extLst>
-          </p:cNvPr>
-          <p:cNvSpPr txBox="1"/>
-          <p:nvPr/>
-        </p:nvSpPr>
-        <p:spPr>
-          <a:xfrm>
-            <a:off x="913795" y="1675200"/>
-            <a:ext cx="5624657" cy="4247317"/>
-          </a:xfrm>
-          <a:prstGeom prst="rect">
-            <a:avLst/>
-          </a:prstGeom>
-          <a:noFill/>
-        </p:spPr>
-        <p:txBody>
-          <a:bodyPr wrap="square" rtlCol="0">
-            <a:spAutoFit/>
-          </a:bodyPr>
-          <a:lstStyle/>
-          <a:p>
-            <a:pPr>
-              <a:spcBef>
-                <a:spcPct val="40000"/>
-              </a:spcBef>
-            </a:pPr>
-            <a:r>
-              <a:rPr lang="en-US" altLang="en-US" sz="1800" dirty="0">
-                <a:latin typeface="Times New Roman" panose="02020603050405020304" pitchFamily="18" charset="0"/>
-                <a:ea typeface="Calibri" panose="020F0502020204030204" pitchFamily="34" charset="0"/>
-                <a:cs typeface="Times New Roman" panose="02020603050405020304" pitchFamily="18" charset="0"/>
-              </a:rPr>
-              <a:t>Sentiment analysis applied to historical documents helps us in peeling off the layers of cultural background in a novel way. The emphasis of the research is on Anne Frank's emotional diary, which is an important historical document that presents us with a penetrating and vivid impression of that turbulent time. Synthesis of historical texts by NLP, as shown in Anne Frank's diary, brings out amazing information about the history of mankind. Anne's diary, a witness to her emotional journey, revealed her inner conflict. NLP algorithms along with the NRC Emotion Lexicon help to elucidate Anne's inner emotions and Streamlit shows us her courage and pivotal moments. Anne's transcendent strength is what is left that will contribute to the improvement of cultural traditions and development of cultural identity.</a:t>
-            </a:r>
-          </a:p>
-        </p:txBody>
-      </p:sp>
     </p:spTree>
     <p:extLst>
       <p:ext uri="{BB962C8B-B14F-4D97-AF65-F5344CB8AC3E}">
-        <p14:creationId xmlns:p14="http://schemas.microsoft.com/office/powerpoint/2010/main" val="4102849716"/>
+        <p14:creationId xmlns:p14="http://schemas.microsoft.com/office/powerpoint/2010/main" val="414767269"/>
       </p:ext>
     </p:extLst>
   </p:cSld>
@@ -8036,768 +8347,6 @@
 </file>
 
 <file path=ppt/slides/slide3.xml><?xml version="1.0" encoding="utf-8"?>
-<p:sld xmlns:a="http://schemas.openxmlformats.org/drawingml/2006/main" xmlns:r="http://schemas.openxmlformats.org/officeDocument/2006/relationships" xmlns:p="http://schemas.openxmlformats.org/presentationml/2006/main">
-  <p:cSld>
-    <p:bg>
-      <p:bgPr>
-        <a:solidFill>
-          <a:schemeClr val="bg1"/>
-        </a:solidFill>
-        <a:effectLst/>
-      </p:bgPr>
-    </p:bg>
-    <p:spTree>
-      <p:nvGrpSpPr>
-        <p:cNvPr id="1" name=""/>
-        <p:cNvGrpSpPr/>
-        <p:nvPr/>
-      </p:nvGrpSpPr>
-      <p:grpSpPr>
-        <a:xfrm>
-          <a:off x="0" y="0"/>
-          <a:ext cx="0" cy="0"/>
-          <a:chOff x="0" y="0"/>
-          <a:chExt cx="0" cy="0"/>
-        </a:xfrm>
-      </p:grpSpPr>
-      <p:sp>
-        <p:nvSpPr>
-          <p:cNvPr id="2" name="Title 1">
-            <a:extLst>
-              <a:ext uri="{FF2B5EF4-FFF2-40B4-BE49-F238E27FC236}">
-                <a16:creationId xmlns:a16="http://schemas.microsoft.com/office/drawing/2014/main" id="{5C365929-0460-9851-CA8A-D55C5FA914DA}"/>
-              </a:ext>
-            </a:extLst>
-          </p:cNvPr>
-          <p:cNvSpPr>
-            <a:spLocks noGrp="1"/>
-          </p:cNvSpPr>
-          <p:nvPr>
-            <p:ph type="title"/>
-          </p:nvPr>
-        </p:nvSpPr>
-        <p:spPr>
-          <a:xfrm>
-            <a:off x="612648" y="449727"/>
-            <a:ext cx="6268770" cy="1536192"/>
-          </a:xfrm>
-        </p:spPr>
-        <p:txBody>
-          <a:bodyPr anchor="b">
-            <a:normAutofit fontScale="90000"/>
-          </a:bodyPr>
-          <a:lstStyle/>
-          <a:p>
-            <a:r>
-              <a:rPr lang="en-US" sz="3300" dirty="0">
-                <a:latin typeface="Times New Roman" panose="02020603050405020304" pitchFamily="18" charset="0"/>
-                <a:cs typeface="Times New Roman" panose="02020603050405020304" pitchFamily="18" charset="0"/>
-              </a:rPr>
-              <a:t>Methodology for Sentiment Analysis and Emotion Extraction</a:t>
-            </a:r>
-            <a:br>
-              <a:rPr lang="en-US" sz="3300" dirty="0"/>
-            </a:br>
-            <a:endParaRPr lang="en-IN" sz="3300" dirty="0"/>
-          </a:p>
-        </p:txBody>
-      </p:sp>
-      <p:sp>
-        <p:nvSpPr>
-          <p:cNvPr id="8" name="Content Placeholder 7">
-            <a:extLst>
-              <a:ext uri="{FF2B5EF4-FFF2-40B4-BE49-F238E27FC236}">
-                <a16:creationId xmlns:a16="http://schemas.microsoft.com/office/drawing/2014/main" id="{7D68145B-258B-6308-5D6D-F38B2B989510}"/>
-              </a:ext>
-            </a:extLst>
-          </p:cNvPr>
-          <p:cNvSpPr>
-            <a:spLocks noGrp="1"/>
-          </p:cNvSpPr>
-          <p:nvPr>
-            <p:ph idx="1"/>
-          </p:nvPr>
-        </p:nvSpPr>
-        <p:spPr>
-          <a:xfrm>
-            <a:off x="612648" y="1740310"/>
-            <a:ext cx="6268770" cy="4038698"/>
-          </a:xfrm>
-        </p:spPr>
-        <p:txBody>
-          <a:bodyPr>
-            <a:noAutofit/>
-          </a:bodyPr>
-          <a:lstStyle/>
-          <a:p>
-            <a:pPr marL="457200" indent="-457200">
-              <a:lnSpc>
-                <a:spcPct val="100000"/>
-              </a:lnSpc>
-              <a:spcBef>
-                <a:spcPct val="40000"/>
-              </a:spcBef>
-              <a:buFont typeface="Arial" panose="020B0604020202020204" pitchFamily="34" charset="0"/>
-              <a:buChar char="•"/>
-            </a:pPr>
-            <a:r>
-              <a:rPr lang="en-US" altLang="en-US" sz="1400" dirty="0">
-                <a:latin typeface="Times New Roman" panose="02020603050405020304" pitchFamily="18" charset="0"/>
-                <a:ea typeface="Calibri" charset="0"/>
-                <a:cs typeface="Times New Roman" panose="02020603050405020304" pitchFamily="18" charset="0"/>
-              </a:rPr>
-              <a:t>Data Collection: Obtaining Anne's Frank's diary entries. </a:t>
-            </a:r>
-          </a:p>
-          <a:p>
-            <a:pPr marL="457200" indent="-457200">
-              <a:lnSpc>
-                <a:spcPct val="100000"/>
-              </a:lnSpc>
-              <a:spcBef>
-                <a:spcPct val="40000"/>
-              </a:spcBef>
-              <a:buFont typeface="Arial" panose="020B0604020202020204" pitchFamily="34" charset="0"/>
-              <a:buChar char="•"/>
-            </a:pPr>
-            <a:r>
-              <a:rPr lang="en-US" altLang="en-US" sz="1400" dirty="0">
-                <a:latin typeface="Times New Roman" panose="02020603050405020304" pitchFamily="18" charset="0"/>
-                <a:ea typeface="Calibri" charset="0"/>
-                <a:cs typeface="Times New Roman" panose="02020603050405020304" pitchFamily="18" charset="0"/>
-              </a:rPr>
-              <a:t>Text Preprocessing: Processing and formatting of text data for the analysis. </a:t>
-            </a:r>
-          </a:p>
-          <a:p>
-            <a:pPr marL="457200" indent="-457200">
-              <a:lnSpc>
-                <a:spcPct val="100000"/>
-              </a:lnSpc>
-              <a:spcBef>
-                <a:spcPct val="40000"/>
-              </a:spcBef>
-              <a:buFont typeface="Arial" panose="020B0604020202020204" pitchFamily="34" charset="0"/>
-              <a:buChar char="•"/>
-            </a:pPr>
-            <a:r>
-              <a:rPr lang="en-US" altLang="en-US" sz="1400" dirty="0">
-                <a:latin typeface="Times New Roman" panose="02020603050405020304" pitchFamily="18" charset="0"/>
-                <a:ea typeface="Calibri" charset="0"/>
-                <a:cs typeface="Times New Roman" panose="02020603050405020304" pitchFamily="18" charset="0"/>
-              </a:rPr>
-              <a:t>NRC Emotion Lexicon Loading: Loaded the NRC Emotion Lexicon in which the words are marked with the emotions and sentiments rating. </a:t>
-            </a:r>
-          </a:p>
-          <a:p>
-            <a:pPr marL="457200" indent="-457200">
-              <a:lnSpc>
-                <a:spcPct val="100000"/>
-              </a:lnSpc>
-              <a:spcBef>
-                <a:spcPct val="40000"/>
-              </a:spcBef>
-              <a:buFont typeface="Arial" panose="020B0604020202020204" pitchFamily="34" charset="0"/>
-              <a:buChar char="•"/>
-            </a:pPr>
-            <a:r>
-              <a:rPr lang="en-US" altLang="en-US" sz="1400" dirty="0">
-                <a:latin typeface="Times New Roman" panose="02020603050405020304" pitchFamily="18" charset="0"/>
-                <a:ea typeface="Calibri" charset="0"/>
-                <a:cs typeface="Times New Roman" panose="02020603050405020304" pitchFamily="18" charset="0"/>
-              </a:rPr>
-              <a:t>Sentiment Score Calculation and Labeling: The difference between the positive and negative emotions can be measured. Thus, this helps in calculating the sentiment scores and you can place them in clearly predefined categories. </a:t>
-            </a:r>
-          </a:p>
-          <a:p>
-            <a:pPr marL="457200" indent="-457200">
-              <a:lnSpc>
-                <a:spcPct val="100000"/>
-              </a:lnSpc>
-              <a:spcBef>
-                <a:spcPct val="40000"/>
-              </a:spcBef>
-              <a:buFont typeface="Arial" panose="020B0604020202020204" pitchFamily="34" charset="0"/>
-              <a:buChar char="•"/>
-            </a:pPr>
-            <a:r>
-              <a:rPr lang="en-US" altLang="en-US" sz="1400" dirty="0">
-                <a:latin typeface="Times New Roman" panose="02020603050405020304" pitchFamily="18" charset="0"/>
-                <a:ea typeface="Calibri" charset="0"/>
-                <a:cs typeface="Times New Roman" panose="02020603050405020304" pitchFamily="18" charset="0"/>
-              </a:rPr>
-              <a:t>Date Pair Analysis: Pick the date-entries in the diary text to know the sentiments and emotions trends over time.</a:t>
-            </a:r>
-          </a:p>
-          <a:p>
-            <a:pPr marL="457200" indent="-457200">
-              <a:lnSpc>
-                <a:spcPct val="100000"/>
-              </a:lnSpc>
-              <a:spcBef>
-                <a:spcPct val="40000"/>
-              </a:spcBef>
-              <a:buFont typeface="Arial" panose="020B0604020202020204" pitchFamily="34" charset="0"/>
-              <a:buChar char="•"/>
-            </a:pPr>
-            <a:r>
-              <a:rPr lang="en-US" altLang="en-US" sz="1400" dirty="0">
-                <a:latin typeface="Times New Roman" panose="02020603050405020304" pitchFamily="18" charset="0"/>
-                <a:ea typeface="Calibri" charset="0"/>
-                <a:cs typeface="Times New Roman" panose="02020603050405020304" pitchFamily="18" charset="0"/>
-              </a:rPr>
-              <a:t>CSV Data Export: Save extracted emotions and sentiment scores along with the date entries in a CSV file  for further analysis.</a:t>
-            </a:r>
-          </a:p>
-          <a:p>
-            <a:pPr marL="457200" indent="-457200">
-              <a:lnSpc>
-                <a:spcPct val="100000"/>
-              </a:lnSpc>
-              <a:spcBef>
-                <a:spcPct val="40000"/>
-              </a:spcBef>
-              <a:buFont typeface="Arial" panose="020B0604020202020204" pitchFamily="34" charset="0"/>
-              <a:buChar char="•"/>
-            </a:pPr>
-            <a:r>
-              <a:rPr lang="en-US" altLang="en-US" sz="1400" dirty="0">
-                <a:latin typeface="Times New Roman" panose="02020603050405020304" pitchFamily="18" charset="0"/>
-                <a:ea typeface="Calibri" charset="0"/>
-                <a:cs typeface="Times New Roman" panose="02020603050405020304" pitchFamily="18" charset="0"/>
-              </a:rPr>
-              <a:t> Visualizing the extracted data in </a:t>
-            </a:r>
-            <a:r>
-              <a:rPr lang="en-US" altLang="en-US" sz="1400" dirty="0" err="1">
-                <a:latin typeface="Times New Roman" panose="02020603050405020304" pitchFamily="18" charset="0"/>
-                <a:ea typeface="Calibri" charset="0"/>
-                <a:cs typeface="Times New Roman" panose="02020603050405020304" pitchFamily="18" charset="0"/>
-              </a:rPr>
-              <a:t>Streamlit</a:t>
-            </a:r>
-            <a:endParaRPr lang="en-US" sz="1400" dirty="0">
-              <a:latin typeface="Times New Roman" panose="02020603050405020304" pitchFamily="18" charset="0"/>
-              <a:cs typeface="Times New Roman" panose="02020603050405020304" pitchFamily="18" charset="0"/>
-            </a:endParaRPr>
-          </a:p>
-        </p:txBody>
-      </p:sp>
-      <p:pic>
-        <p:nvPicPr>
-          <p:cNvPr id="4" name="Content Placeholder 3" descr="A diagram of a data processing process&#10;&#10;Description automatically generated">
-            <a:extLst>
-              <a:ext uri="{FF2B5EF4-FFF2-40B4-BE49-F238E27FC236}">
-                <a16:creationId xmlns:a16="http://schemas.microsoft.com/office/drawing/2014/main" id="{F867107A-EA61-BEF5-44F3-61DD48957293}"/>
-              </a:ext>
-            </a:extLst>
-          </p:cNvPr>
-          <p:cNvPicPr>
-            <a:picLocks noChangeAspect="1"/>
-          </p:cNvPicPr>
-          <p:nvPr/>
-        </p:nvPicPr>
-        <p:blipFill>
-          <a:blip r:embed="rId2"/>
-          <a:stretch>
-            <a:fillRect/>
-          </a:stretch>
-        </p:blipFill>
-        <p:spPr>
-          <a:xfrm>
-            <a:off x="7494066" y="990283"/>
-            <a:ext cx="4237686" cy="4801910"/>
-          </a:xfrm>
-          <a:prstGeom prst="rect">
-            <a:avLst/>
-          </a:prstGeom>
-        </p:spPr>
-      </p:pic>
-    </p:spTree>
-    <p:extLst>
-      <p:ext uri="{BB962C8B-B14F-4D97-AF65-F5344CB8AC3E}">
-        <p14:creationId xmlns:p14="http://schemas.microsoft.com/office/powerpoint/2010/main" val="2902320247"/>
-      </p:ext>
-    </p:extLst>
-  </p:cSld>
-  <p:clrMapOvr>
-    <a:masterClrMapping/>
-  </p:clrMapOvr>
-</p:sld>
-</file>
-
-<file path=ppt/slides/slide4.xml><?xml version="1.0" encoding="utf-8"?>
-<p:sld xmlns:a="http://schemas.openxmlformats.org/drawingml/2006/main" xmlns:r="http://schemas.openxmlformats.org/officeDocument/2006/relationships" xmlns:p="http://schemas.openxmlformats.org/presentationml/2006/main">
-  <p:cSld>
-    <p:bg>
-      <p:bgPr>
-        <a:solidFill>
-          <a:schemeClr val="bg1"/>
-        </a:solidFill>
-        <a:effectLst/>
-      </p:bgPr>
-    </p:bg>
-    <p:spTree>
-      <p:nvGrpSpPr>
-        <p:cNvPr id="1" name=""/>
-        <p:cNvGrpSpPr/>
-        <p:nvPr/>
-      </p:nvGrpSpPr>
-      <p:grpSpPr>
-        <a:xfrm>
-          <a:off x="0" y="0"/>
-          <a:ext cx="0" cy="0"/>
-          <a:chOff x="0" y="0"/>
-          <a:chExt cx="0" cy="0"/>
-        </a:xfrm>
-      </p:grpSpPr>
-      <p:sp>
-        <p:nvSpPr>
-          <p:cNvPr id="2" name="Title 1">
-            <a:extLst>
-              <a:ext uri="{FF2B5EF4-FFF2-40B4-BE49-F238E27FC236}">
-                <a16:creationId xmlns:a16="http://schemas.microsoft.com/office/drawing/2014/main" id="{A3D8FF69-0104-FF82-3F28-65B9B4CAB505}"/>
-              </a:ext>
-            </a:extLst>
-          </p:cNvPr>
-          <p:cNvSpPr>
-            <a:spLocks noGrp="1"/>
-          </p:cNvSpPr>
-          <p:nvPr>
-            <p:ph type="title"/>
-          </p:nvPr>
-        </p:nvSpPr>
-        <p:spPr>
-          <a:xfrm>
-            <a:off x="786014" y="263580"/>
-            <a:ext cx="6007608" cy="414544"/>
-          </a:xfrm>
-        </p:spPr>
-        <p:txBody>
-          <a:bodyPr>
-            <a:normAutofit fontScale="90000"/>
-          </a:bodyPr>
-          <a:lstStyle/>
-          <a:p>
-            <a:r>
-              <a:rPr lang="en-US" sz="2800" b="1" dirty="0">
-                <a:effectLst/>
-                <a:latin typeface="Times New Roman" panose="02020603050405020304" pitchFamily="18" charset="0"/>
-              </a:rPr>
-              <a:t>Preprocessing and Data Cleaning</a:t>
-            </a:r>
-            <a:br>
-              <a:rPr lang="en-IN" sz="2800" b="1" dirty="0">
-                <a:effectLst/>
-                <a:latin typeface="Times New Roman" panose="02020603050405020304" pitchFamily="18" charset="0"/>
-              </a:rPr>
-            </a:br>
-            <a:endParaRPr lang="en-IN" sz="2800" dirty="0"/>
-          </a:p>
-        </p:txBody>
-      </p:sp>
-      <p:sp>
-        <p:nvSpPr>
-          <p:cNvPr id="3" name="Content Placeholder 2">
-            <a:extLst>
-              <a:ext uri="{FF2B5EF4-FFF2-40B4-BE49-F238E27FC236}">
-                <a16:creationId xmlns:a16="http://schemas.microsoft.com/office/drawing/2014/main" id="{7A842A97-FCD7-2DEA-1303-382AC7EA3C69}"/>
-              </a:ext>
-            </a:extLst>
-          </p:cNvPr>
-          <p:cNvSpPr>
-            <a:spLocks noGrp="1"/>
-          </p:cNvSpPr>
-          <p:nvPr>
-            <p:ph idx="1"/>
-          </p:nvPr>
-        </p:nvSpPr>
-        <p:spPr>
-          <a:xfrm>
-            <a:off x="473581" y="678123"/>
-            <a:ext cx="6721881" cy="5666077"/>
-          </a:xfrm>
-        </p:spPr>
-        <p:txBody>
-          <a:bodyPr>
-            <a:normAutofit/>
-          </a:bodyPr>
-          <a:lstStyle/>
-          <a:p>
-            <a:pPr marL="0" indent="0">
-              <a:lnSpc>
-                <a:spcPct val="100000"/>
-              </a:lnSpc>
-              <a:buNone/>
-            </a:pPr>
-            <a:r>
-              <a:rPr lang="en-US" sz="1700" dirty="0">
-                <a:latin typeface="Times New Roman" panose="02020603050405020304" pitchFamily="18" charset="0"/>
-                <a:cs typeface="Times New Roman" panose="02020603050405020304" pitchFamily="18" charset="0"/>
-              </a:rPr>
-              <a:t>The text preprocessing stage focuses on eliminating unnecessary characters and symbols, removing non-linguistic content such as numbers, text tokenized into discrete words and filtering out stop words to facilitate meaningful analysis. </a:t>
-            </a:r>
-          </a:p>
-          <a:p>
-            <a:pPr>
-              <a:lnSpc>
-                <a:spcPct val="100000"/>
-              </a:lnSpc>
-            </a:pPr>
-            <a:endParaRPr lang="en-US" sz="1700" dirty="0">
-              <a:latin typeface="Times New Roman" panose="02020603050405020304" pitchFamily="18" charset="0"/>
-              <a:cs typeface="Times New Roman" panose="02020603050405020304" pitchFamily="18" charset="0"/>
-            </a:endParaRPr>
-          </a:p>
-          <a:p>
-            <a:pPr>
-              <a:lnSpc>
-                <a:spcPct val="100000"/>
-              </a:lnSpc>
-            </a:pPr>
-            <a:endParaRPr lang="en-US" sz="1700" dirty="0">
-              <a:latin typeface="Times New Roman" panose="02020603050405020304" pitchFamily="18" charset="0"/>
-              <a:cs typeface="Times New Roman" panose="02020603050405020304" pitchFamily="18" charset="0"/>
-            </a:endParaRPr>
-          </a:p>
-          <a:p>
-            <a:pPr>
-              <a:lnSpc>
-                <a:spcPct val="100000"/>
-              </a:lnSpc>
-            </a:pPr>
-            <a:endParaRPr lang="en-US" sz="1700" dirty="0">
-              <a:latin typeface="Times New Roman" panose="02020603050405020304" pitchFamily="18" charset="0"/>
-              <a:cs typeface="Times New Roman" panose="02020603050405020304" pitchFamily="18" charset="0"/>
-            </a:endParaRPr>
-          </a:p>
-          <a:p>
-            <a:pPr marL="0" indent="0">
-              <a:lnSpc>
-                <a:spcPct val="100000"/>
-              </a:lnSpc>
-              <a:buNone/>
-            </a:pPr>
-            <a:br>
-              <a:rPr lang="en-US" sz="1700" dirty="0">
-                <a:latin typeface="Times New Roman" panose="02020603050405020304" pitchFamily="18" charset="0"/>
-                <a:cs typeface="Times New Roman" panose="02020603050405020304" pitchFamily="18" charset="0"/>
-              </a:rPr>
-            </a:br>
-            <a:endParaRPr lang="en-US" sz="1700" dirty="0">
-              <a:latin typeface="Times New Roman" panose="02020603050405020304" pitchFamily="18" charset="0"/>
-              <a:cs typeface="Times New Roman" panose="02020603050405020304" pitchFamily="18" charset="0"/>
-            </a:endParaRPr>
-          </a:p>
-        </p:txBody>
-      </p:sp>
-      <p:pic>
-        <p:nvPicPr>
-          <p:cNvPr id="5" name="Picture 4" descr="A computer screen shot of a computer code&#10;&#10;Description automatically generated">
-            <a:extLst>
-              <a:ext uri="{FF2B5EF4-FFF2-40B4-BE49-F238E27FC236}">
-                <a16:creationId xmlns:a16="http://schemas.microsoft.com/office/drawing/2014/main" id="{6FA11C41-7204-70E6-9C32-7804441FD03D}"/>
-              </a:ext>
-            </a:extLst>
-          </p:cNvPr>
-          <p:cNvPicPr>
-            <a:picLocks noChangeAspect="1"/>
-          </p:cNvPicPr>
-          <p:nvPr/>
-        </p:nvPicPr>
-        <p:blipFill>
-          <a:blip r:embed="rId2"/>
-          <a:stretch>
-            <a:fillRect/>
-          </a:stretch>
-        </p:blipFill>
-        <p:spPr>
-          <a:xfrm>
-            <a:off x="767850" y="2572921"/>
-            <a:ext cx="4233672" cy="1227844"/>
-          </a:xfrm>
-          <a:prstGeom prst="rect">
-            <a:avLst/>
-          </a:prstGeom>
-        </p:spPr>
-      </p:pic>
-      <p:pic>
-        <p:nvPicPr>
-          <p:cNvPr id="4" name="Picture 3" descr="A computer code with text&#10;&#10;Description automatically generated">
-            <a:extLst>
-              <a:ext uri="{FF2B5EF4-FFF2-40B4-BE49-F238E27FC236}">
-                <a16:creationId xmlns:a16="http://schemas.microsoft.com/office/drawing/2014/main" id="{5A25662D-7E1A-970E-06AB-2FF2772CD1A6}"/>
-              </a:ext>
-            </a:extLst>
-          </p:cNvPr>
-          <p:cNvPicPr>
-            <a:picLocks noChangeAspect="1"/>
-          </p:cNvPicPr>
-          <p:nvPr/>
-        </p:nvPicPr>
-        <p:blipFill>
-          <a:blip r:embed="rId3"/>
-          <a:stretch>
-            <a:fillRect/>
-          </a:stretch>
-        </p:blipFill>
-        <p:spPr>
-          <a:xfrm>
-            <a:off x="767850" y="4554775"/>
-            <a:ext cx="4230116" cy="1586293"/>
-          </a:xfrm>
-          <a:prstGeom prst="rect">
-            <a:avLst/>
-          </a:prstGeom>
-        </p:spPr>
-      </p:pic>
-      <p:sp>
-        <p:nvSpPr>
-          <p:cNvPr id="7" name="TextBox 6">
-            <a:extLst>
-              <a:ext uri="{FF2B5EF4-FFF2-40B4-BE49-F238E27FC236}">
-                <a16:creationId xmlns:a16="http://schemas.microsoft.com/office/drawing/2014/main" id="{C10DC67B-229A-FF8F-B32E-043232F213C9}"/>
-              </a:ext>
-            </a:extLst>
-          </p:cNvPr>
-          <p:cNvSpPr txBox="1"/>
-          <p:nvPr/>
-        </p:nvSpPr>
-        <p:spPr>
-          <a:xfrm>
-            <a:off x="714179" y="2159085"/>
-            <a:ext cx="4101467" cy="369332"/>
-          </a:xfrm>
-          <a:prstGeom prst="rect">
-            <a:avLst/>
-          </a:prstGeom>
-          <a:noFill/>
-        </p:spPr>
-        <p:txBody>
-          <a:bodyPr wrap="square" rtlCol="0">
-            <a:spAutoFit/>
-          </a:bodyPr>
-          <a:lstStyle/>
-          <a:p>
-            <a:pPr>
-              <a:lnSpc>
-                <a:spcPct val="100000"/>
-              </a:lnSpc>
-            </a:pPr>
-            <a:r>
-              <a:rPr lang="en-US" sz="1800" dirty="0">
-                <a:latin typeface="Times New Roman" panose="02020603050405020304" pitchFamily="18" charset="0"/>
-                <a:cs typeface="Times New Roman" panose="02020603050405020304" pitchFamily="18" charset="0"/>
-              </a:rPr>
-              <a:t>Text Preprocessing:</a:t>
-            </a:r>
-            <a:r>
-              <a:rPr lang="en-IN" sz="1800" dirty="0">
-                <a:latin typeface="Times New Roman" panose="02020603050405020304" pitchFamily="18" charset="0"/>
-                <a:cs typeface="Times New Roman" panose="02020603050405020304" pitchFamily="18" charset="0"/>
-              </a:rPr>
-              <a:t> </a:t>
-            </a:r>
-          </a:p>
-        </p:txBody>
-      </p:sp>
-      <p:sp>
-        <p:nvSpPr>
-          <p:cNvPr id="8" name="TextBox 7">
-            <a:extLst>
-              <a:ext uri="{FF2B5EF4-FFF2-40B4-BE49-F238E27FC236}">
-                <a16:creationId xmlns:a16="http://schemas.microsoft.com/office/drawing/2014/main" id="{2BEAE6AD-B03F-9F75-1D33-12D0620DD118}"/>
-              </a:ext>
-            </a:extLst>
-          </p:cNvPr>
-          <p:cNvSpPr txBox="1"/>
-          <p:nvPr/>
-        </p:nvSpPr>
-        <p:spPr>
-          <a:xfrm>
-            <a:off x="786014" y="3919968"/>
-            <a:ext cx="3987015" cy="646331"/>
-          </a:xfrm>
-          <a:prstGeom prst="rect">
-            <a:avLst/>
-          </a:prstGeom>
-          <a:noFill/>
-        </p:spPr>
-        <p:txBody>
-          <a:bodyPr wrap="square" rtlCol="0">
-            <a:spAutoFit/>
-          </a:bodyPr>
-          <a:lstStyle/>
-          <a:p>
-            <a:r>
-              <a:rPr lang="en-US" sz="1800" dirty="0">
-                <a:latin typeface="Times New Roman" panose="02020603050405020304" pitchFamily="18" charset="0"/>
-                <a:cs typeface="Times New Roman" panose="02020603050405020304" pitchFamily="18" charset="0"/>
-              </a:rPr>
-              <a:t>Text tokenization and filtering stop words:</a:t>
-            </a:r>
-            <a:endParaRPr lang="en-IN" dirty="0"/>
-          </a:p>
-        </p:txBody>
-      </p:sp>
-      <p:pic>
-        <p:nvPicPr>
-          <p:cNvPr id="9" name="Picture 8" descr="A text on a page&#10;&#10;Description automatically generated">
-            <a:extLst>
-              <a:ext uri="{FF2B5EF4-FFF2-40B4-BE49-F238E27FC236}">
-                <a16:creationId xmlns:a16="http://schemas.microsoft.com/office/drawing/2014/main" id="{92BA046D-38A3-F84C-1FA5-0206EF194B46}"/>
-              </a:ext>
-            </a:extLst>
-          </p:cNvPr>
-          <p:cNvPicPr>
-            <a:picLocks noChangeAspect="1"/>
-          </p:cNvPicPr>
-          <p:nvPr/>
-        </p:nvPicPr>
-        <p:blipFill>
-          <a:blip r:embed="rId4"/>
-          <a:stretch>
-            <a:fillRect/>
-          </a:stretch>
-        </p:blipFill>
-        <p:spPr>
-          <a:xfrm>
-            <a:off x="7502635" y="791425"/>
-            <a:ext cx="4421263" cy="2778322"/>
-          </a:xfrm>
-          <a:prstGeom prst="rect">
-            <a:avLst/>
-          </a:prstGeom>
-        </p:spPr>
-      </p:pic>
-      <p:pic>
-        <p:nvPicPr>
-          <p:cNvPr id="11" name="Picture 10" descr="A screenshot of a text&#10;&#10;Description automatically generated">
-            <a:extLst>
-              <a:ext uri="{FF2B5EF4-FFF2-40B4-BE49-F238E27FC236}">
-                <a16:creationId xmlns:a16="http://schemas.microsoft.com/office/drawing/2014/main" id="{9068B7F9-7879-B0D7-411E-FBF495744204}"/>
-              </a:ext>
-            </a:extLst>
-          </p:cNvPr>
-          <p:cNvPicPr>
-            <a:picLocks noChangeAspect="1"/>
-          </p:cNvPicPr>
-          <p:nvPr/>
-        </p:nvPicPr>
-        <p:blipFill>
-          <a:blip r:embed="rId5"/>
-          <a:stretch>
-            <a:fillRect/>
-          </a:stretch>
-        </p:blipFill>
-        <p:spPr>
-          <a:xfrm>
-            <a:off x="7502635" y="3919968"/>
-            <a:ext cx="4421263" cy="2778321"/>
-          </a:xfrm>
-          <a:prstGeom prst="rect">
-            <a:avLst/>
-          </a:prstGeom>
-        </p:spPr>
-      </p:pic>
-      <p:sp>
-        <p:nvSpPr>
-          <p:cNvPr id="13" name="TextBox 12">
-            <a:extLst>
-              <a:ext uri="{FF2B5EF4-FFF2-40B4-BE49-F238E27FC236}">
-                <a16:creationId xmlns:a16="http://schemas.microsoft.com/office/drawing/2014/main" id="{E4CA5331-9550-D6DF-E9FF-BA5DDFA56458}"/>
-              </a:ext>
-            </a:extLst>
-          </p:cNvPr>
-          <p:cNvSpPr txBox="1"/>
-          <p:nvPr/>
-        </p:nvSpPr>
-        <p:spPr>
-          <a:xfrm>
-            <a:off x="7502635" y="441052"/>
-            <a:ext cx="2409904" cy="369332"/>
-          </a:xfrm>
-          <a:prstGeom prst="rect">
-            <a:avLst/>
-          </a:prstGeom>
-          <a:noFill/>
-        </p:spPr>
-        <p:txBody>
-          <a:bodyPr wrap="square" rtlCol="0">
-            <a:spAutoFit/>
-          </a:bodyPr>
-          <a:lstStyle/>
-          <a:p>
-            <a:r>
-              <a:rPr lang="en-US" dirty="0">
-                <a:latin typeface="Times New Roman" panose="02020603050405020304" pitchFamily="18" charset="0"/>
-                <a:cs typeface="Times New Roman" panose="02020603050405020304" pitchFamily="18" charset="0"/>
-              </a:rPr>
-              <a:t>Before:</a:t>
-            </a:r>
-            <a:endParaRPr lang="en-IN" dirty="0">
-              <a:latin typeface="Times New Roman" panose="02020603050405020304" pitchFamily="18" charset="0"/>
-              <a:cs typeface="Times New Roman" panose="02020603050405020304" pitchFamily="18" charset="0"/>
-            </a:endParaRPr>
-          </a:p>
-        </p:txBody>
-      </p:sp>
-      <p:sp>
-        <p:nvSpPr>
-          <p:cNvPr id="15" name="TextBox 14">
-            <a:extLst>
-              <a:ext uri="{FF2B5EF4-FFF2-40B4-BE49-F238E27FC236}">
-                <a16:creationId xmlns:a16="http://schemas.microsoft.com/office/drawing/2014/main" id="{A9F290F0-5086-91F6-F30A-65E8FAF487A7}"/>
-              </a:ext>
-            </a:extLst>
-          </p:cNvPr>
-          <p:cNvSpPr txBox="1"/>
-          <p:nvPr/>
-        </p:nvSpPr>
-        <p:spPr>
-          <a:xfrm>
-            <a:off x="7591943" y="3569747"/>
-            <a:ext cx="2409904" cy="369332"/>
-          </a:xfrm>
-          <a:prstGeom prst="rect">
-            <a:avLst/>
-          </a:prstGeom>
-          <a:noFill/>
-        </p:spPr>
-        <p:txBody>
-          <a:bodyPr wrap="square" rtlCol="0">
-            <a:spAutoFit/>
-          </a:bodyPr>
-          <a:lstStyle/>
-          <a:p>
-            <a:r>
-              <a:rPr lang="en-US" dirty="0">
-                <a:latin typeface="Times New Roman" panose="02020603050405020304" pitchFamily="18" charset="0"/>
-                <a:cs typeface="Times New Roman" panose="02020603050405020304" pitchFamily="18" charset="0"/>
-              </a:rPr>
-              <a:t> After:</a:t>
-            </a:r>
-            <a:endParaRPr lang="en-IN" dirty="0">
-              <a:latin typeface="Times New Roman" panose="02020603050405020304" pitchFamily="18" charset="0"/>
-              <a:cs typeface="Times New Roman" panose="02020603050405020304" pitchFamily="18" charset="0"/>
-            </a:endParaRPr>
-          </a:p>
-        </p:txBody>
-      </p:sp>
-    </p:spTree>
-    <p:extLst>
-      <p:ext uri="{BB962C8B-B14F-4D97-AF65-F5344CB8AC3E}">
-        <p14:creationId xmlns:p14="http://schemas.microsoft.com/office/powerpoint/2010/main" val="2917477705"/>
-      </p:ext>
-    </p:extLst>
-  </p:cSld>
-  <p:clrMapOvr>
-    <a:masterClrMapping/>
-  </p:clrMapOvr>
-</p:sld>
-</file>
-
-<file path=ppt/slides/slide5.xml><?xml version="1.0" encoding="utf-8"?>
 <p:sld xmlns:a="http://schemas.openxmlformats.org/drawingml/2006/main" xmlns:r="http://schemas.openxmlformats.org/officeDocument/2006/relationships" xmlns:p="http://schemas.openxmlformats.org/presentationml/2006/main">
   <p:cSld>
     <p:bg>
@@ -8833,12 +8382,72 @@
           <a:chExt cx="0" cy="0"/>
         </a:xfrm>
       </p:grpSpPr>
+      <p:sp useBgFill="1">
+        <p:nvSpPr>
+          <p:cNvPr id="21" name="Rectangle 20">
+            <a:extLst>
+              <a:ext uri="{FF2B5EF4-FFF2-40B4-BE49-F238E27FC236}">
+                <a16:creationId xmlns:a16="http://schemas.microsoft.com/office/drawing/2014/main" id="{9A6C2C86-63BF-47D5-AA3F-905111A238E2}"/>
+              </a:ext>
+              <a:ext uri="{C183D7F6-B498-43B3-948B-1728B52AA6E4}">
+                <adec:decorative xmlns:adec="http://schemas.microsoft.com/office/drawing/2017/decorative" val="1"/>
+              </a:ext>
+            </a:extLst>
+          </p:cNvPr>
+          <p:cNvSpPr>
+            <a:spLocks noGrp="1" noRot="1" noChangeAspect="1" noMove="1" noResize="1" noEditPoints="1" noAdjustHandles="1" noChangeArrowheads="1" noChangeShapeType="1" noTextEdit="1"/>
+          </p:cNvSpPr>
+          <p:nvPr>
+            <p:extLst>
+              <p:ext uri="{386F3935-93C4-4BCD-93E2-E3B085C9AB24}">
+                <p16:designElem xmlns:p16="http://schemas.microsoft.com/office/powerpoint/2015/main" val="1"/>
+              </p:ext>
+            </p:extLst>
+          </p:nvPr>
+        </p:nvSpPr>
+        <p:spPr>
+          <a:xfrm>
+            <a:off x="0" y="0"/>
+            <a:ext cx="12192000" cy="6858000"/>
+          </a:xfrm>
+          <a:prstGeom prst="rect">
+            <a:avLst/>
+          </a:prstGeom>
+          <a:ln>
+            <a:noFill/>
+          </a:ln>
+        </p:spPr>
+        <p:style>
+          <a:lnRef idx="2">
+            <a:schemeClr val="accent1">
+              <a:shade val="50000"/>
+            </a:schemeClr>
+          </a:lnRef>
+          <a:fillRef idx="1">
+            <a:schemeClr val="accent1"/>
+          </a:fillRef>
+          <a:effectRef idx="0">
+            <a:schemeClr val="accent1"/>
+          </a:effectRef>
+          <a:fontRef idx="minor">
+            <a:schemeClr val="lt1"/>
+          </a:fontRef>
+        </p:style>
+        <p:txBody>
+          <a:bodyPr rtlCol="0" anchor="ctr"/>
+          <a:lstStyle/>
+          <a:p>
+            <a:pPr algn="ctr"/>
+            <a:endParaRPr lang="en-US"/>
+          </a:p>
+        </p:txBody>
+      </p:sp>
       <p:sp>
         <p:nvSpPr>
           <p:cNvPr id="2" name="Title 1">
             <a:extLst>
               <a:ext uri="{FF2B5EF4-FFF2-40B4-BE49-F238E27FC236}">
-                <a16:creationId xmlns:a16="http://schemas.microsoft.com/office/drawing/2014/main" id="{E675A1B0-C477-8DF2-A0BC-ECEF60AE6B49}"/>
+                <a16:creationId xmlns:a16="http://schemas.microsoft.com/office/drawing/2014/main" id="{3B3C0016-644C-3EAA-99E6-46FBA0B26D91}"/>
               </a:ext>
             </a:extLst>
           </p:cNvPr>
@@ -8851,214 +8460,127 @@
         </p:nvSpPr>
         <p:spPr>
           <a:xfrm>
-            <a:off x="913795" y="609600"/>
-            <a:ext cx="10353762" cy="970450"/>
-          </a:xfrm>
-        </p:spPr>
-        <p:txBody>
-          <a:bodyPr>
+            <a:off x="834013" y="1115568"/>
+            <a:ext cx="3487616" cy="4626864"/>
+          </a:xfrm>
+        </p:spPr>
+        <p:txBody>
+          <a:bodyPr vert="horz" lIns="91440" tIns="45720" rIns="91440" bIns="45720" rtlCol="0">
             <a:normAutofit/>
           </a:bodyPr>
           <a:lstStyle/>
           <a:p>
-            <a:pPr>
-              <a:lnSpc>
-                <a:spcPct val="90000"/>
-              </a:lnSpc>
-            </a:pPr>
-            <a:r>
-              <a:rPr lang="en-US" sz="3100" b="1" dirty="0">
-                <a:effectLst/>
-                <a:latin typeface="Times New Roman" panose="02020603050405020304" pitchFamily="18" charset="0"/>
-                <a:cs typeface="Arial" panose="020B0604020202020204" pitchFamily="34" charset="0"/>
-              </a:rPr>
-              <a:t>NRC Emotion Lexicon Loading</a:t>
-            </a:r>
-            <a:br>
-              <a:rPr lang="en-IN" sz="3100" b="1" dirty="0">
-                <a:effectLst/>
-                <a:latin typeface="Times New Roman" panose="02020603050405020304" pitchFamily="18" charset="0"/>
-                <a:cs typeface="Arial" panose="020B0604020202020204" pitchFamily="34" charset="0"/>
-              </a:rPr>
-            </a:br>
-            <a:endParaRPr lang="en-IN" sz="3100" dirty="0"/>
-          </a:p>
-        </p:txBody>
-      </p:sp>
-      <p:sp>
-        <p:nvSpPr>
-          <p:cNvPr id="3" name="Content Placeholder 2">
+            <a:pPr algn="l"/>
+            <a:r>
+              <a:rPr lang="en-US" sz="3600" b="0" i="0" dirty="0"/>
+              <a:t>Exploring Emotional Depths with Natural Language Processing</a:t>
+            </a:r>
+            <a:endParaRPr lang="en-US" sz="3600" dirty="0"/>
+          </a:p>
+        </p:txBody>
+      </p:sp>
+      <p:cxnSp>
+        <p:nvCxnSpPr>
+          <p:cNvPr id="23" name="Straight Connector 22">
             <a:extLst>
               <a:ext uri="{FF2B5EF4-FFF2-40B4-BE49-F238E27FC236}">
-                <a16:creationId xmlns:a16="http://schemas.microsoft.com/office/drawing/2014/main" id="{602B34A6-A9C4-5C50-F456-108CC32F6907}"/>
+                <a16:creationId xmlns:a16="http://schemas.microsoft.com/office/drawing/2014/main" id="{425A0768-3044-4AA9-A889-D2CAA68C517A}"/>
+              </a:ext>
+              <a:ext uri="{C183D7F6-B498-43B3-948B-1728B52AA6E4}">
+                <adec:decorative xmlns:adec="http://schemas.microsoft.com/office/drawing/2017/decorative" val="1"/>
               </a:ext>
             </a:extLst>
           </p:cNvPr>
-          <p:cNvSpPr>
-            <a:spLocks/>
-          </p:cNvSpPr>
-          <p:nvPr/>
-        </p:nvSpPr>
-        <p:spPr>
-          <a:xfrm>
-            <a:off x="1128264" y="2087376"/>
-            <a:ext cx="5280982" cy="2378751"/>
-          </a:xfrm>
-          <a:prstGeom prst="rect">
+          <p:cNvCxnSpPr>
+            <a:cxnSpLocks noGrp="1" noRot="1" noChangeAspect="1" noMove="1" noResize="1" noEditPoints="1" noAdjustHandles="1" noChangeArrowheads="1" noChangeShapeType="1"/>
+          </p:cNvCxnSpPr>
+          <p:nvPr>
+            <p:extLst>
+              <p:ext uri="{386F3935-93C4-4BCD-93E2-E3B085C9AB24}">
+                <p16:designElem xmlns:p16="http://schemas.microsoft.com/office/powerpoint/2015/main" val="1"/>
+              </p:ext>
+            </p:extLst>
+          </p:nvPr>
+        </p:nvCxnSpPr>
+        <p:spPr>
+          <a:xfrm>
+            <a:off x="4654605" y="2057400"/>
+            <a:ext cx="0" cy="2743200"/>
+          </a:xfrm>
+          <a:prstGeom prst="line">
             <a:avLst/>
           </a:prstGeom>
-        </p:spPr>
-        <p:txBody>
-          <a:bodyPr>
+          <a:ln w="19050">
+            <a:solidFill>
+              <a:schemeClr val="tx2"/>
+            </a:solidFill>
+          </a:ln>
+        </p:spPr>
+        <p:style>
+          <a:lnRef idx="1">
+            <a:schemeClr val="accent1"/>
+          </a:lnRef>
+          <a:fillRef idx="0">
+            <a:schemeClr val="accent1"/>
+          </a:fillRef>
+          <a:effectRef idx="0">
+            <a:schemeClr val="accent1"/>
+          </a:effectRef>
+          <a:fontRef idx="minor">
+            <a:schemeClr val="tx1"/>
+          </a:fontRef>
+        </p:style>
+      </p:cxnSp>
+      <p:sp>
+        <p:nvSpPr>
+          <p:cNvPr id="4" name="Content Placeholder 3">
+            <a:extLst>
+              <a:ext uri="{FF2B5EF4-FFF2-40B4-BE49-F238E27FC236}">
+                <a16:creationId xmlns:a16="http://schemas.microsoft.com/office/drawing/2014/main" id="{3A045BB3-94E5-5604-8E0C-33DCC5322641}"/>
+              </a:ext>
+            </a:extLst>
+          </p:cNvPr>
+          <p:cNvSpPr>
+            <a:spLocks noGrp="1"/>
+          </p:cNvSpPr>
+          <p:nvPr>
+            <p:ph idx="1"/>
+          </p:nvPr>
+        </p:nvSpPr>
+        <p:spPr>
+          <a:xfrm>
+            <a:off x="5105398" y="1115568"/>
+            <a:ext cx="6245352" cy="4626864"/>
+          </a:xfrm>
+        </p:spPr>
+        <p:txBody>
+          <a:bodyPr vert="horz" lIns="91440" tIns="45720" rIns="91440" bIns="45720" rtlCol="0" anchor="ctr">
             <a:normAutofit/>
           </a:bodyPr>
           <a:lstStyle/>
           <a:p>
-            <a:pPr defTabSz="384048">
-              <a:spcAft>
-                <a:spcPts val="600"/>
-              </a:spcAft>
+            <a:pPr marL="36900" indent="0">
+              <a:buNone/>
             </a:pPr>
             <a:r>
-              <a:rPr lang="en-US" sz="1512" kern="1200" dirty="0">
-                <a:solidFill>
-                  <a:schemeClr val="tx1"/>
-                </a:solidFill>
-                <a:latin typeface="Times New Roman" panose="02020603050405020304" pitchFamily="18" charset="0"/>
-                <a:ea typeface="+mn-ea"/>
-                <a:cs typeface="Times New Roman" panose="02020603050405020304" pitchFamily="18" charset="0"/>
-              </a:rPr>
-              <a:t>The second step involves bringing to the limelight the NRC Emotion Lexicon which is a meticulously designed lexicon consisting of emotion labeled words that have sentiment ratings.</a:t>
-            </a:r>
-            <a:br>
-              <a:rPr lang="en-US" sz="1512" kern="1200" dirty="0">
-                <a:solidFill>
-                  <a:schemeClr val="tx1"/>
-                </a:solidFill>
-                <a:latin typeface="Axiforma"/>
-                <a:ea typeface="+mn-ea"/>
-                <a:cs typeface="+mn-cs"/>
-              </a:rPr>
-            </a:br>
-            <a:endParaRPr lang="en-IN" sz="1800" dirty="0"/>
-          </a:p>
-        </p:txBody>
-      </p:sp>
-      <p:pic>
-        <p:nvPicPr>
-          <p:cNvPr id="6" name="Picture 5">
-            <a:extLst>
-              <a:ext uri="{FF2B5EF4-FFF2-40B4-BE49-F238E27FC236}">
-                <a16:creationId xmlns:a16="http://schemas.microsoft.com/office/drawing/2014/main" id="{296CC946-5D7F-1AE9-0411-29548F69E417}"/>
-              </a:ext>
-            </a:extLst>
-          </p:cNvPr>
-          <p:cNvPicPr>
-            <a:picLocks noChangeAspect="1"/>
-          </p:cNvPicPr>
-          <p:nvPr/>
-        </p:nvPicPr>
-        <p:blipFill>
-          <a:blip r:embed="rId3"/>
-          <a:stretch>
-            <a:fillRect/>
-          </a:stretch>
-        </p:blipFill>
-        <p:spPr>
-          <a:xfrm>
-            <a:off x="7685437" y="2149313"/>
-            <a:ext cx="2945437" cy="2386449"/>
-          </a:xfrm>
-          <a:prstGeom prst="rect">
-            <a:avLst/>
-          </a:prstGeom>
-        </p:spPr>
-      </p:pic>
-      <p:pic>
-        <p:nvPicPr>
-          <p:cNvPr id="4" name="Picture 3" descr="A screenshot of a computer code&#10;&#10;Description automatically generated">
-            <a:extLst>
-              <a:ext uri="{FF2B5EF4-FFF2-40B4-BE49-F238E27FC236}">
-                <a16:creationId xmlns:a16="http://schemas.microsoft.com/office/drawing/2014/main" id="{F413CE44-382B-E442-9DC1-11CE77AE9003}"/>
-              </a:ext>
-            </a:extLst>
-          </p:cNvPr>
-          <p:cNvPicPr>
-            <a:picLocks noChangeAspect="1"/>
-          </p:cNvPicPr>
-          <p:nvPr/>
-        </p:nvPicPr>
-        <p:blipFill>
-          <a:blip r:embed="rId4"/>
-          <a:stretch>
-            <a:fillRect/>
-          </a:stretch>
-        </p:blipFill>
-        <p:spPr>
-          <a:xfrm>
-            <a:off x="1146595" y="3342538"/>
-            <a:ext cx="5280983" cy="1750778"/>
-          </a:xfrm>
-          <a:prstGeom prst="rect">
-            <a:avLst/>
-          </a:prstGeom>
-        </p:spPr>
-      </p:pic>
-      <p:sp>
-        <p:nvSpPr>
-          <p:cNvPr id="8" name="TextBox 7">
-            <a:extLst>
-              <a:ext uri="{FF2B5EF4-FFF2-40B4-BE49-F238E27FC236}">
-                <a16:creationId xmlns:a16="http://schemas.microsoft.com/office/drawing/2014/main" id="{4ACAB392-5E6C-008A-272C-647B0D632F7E}"/>
-              </a:ext>
-            </a:extLst>
-          </p:cNvPr>
-          <p:cNvSpPr txBox="1"/>
-          <p:nvPr/>
-        </p:nvSpPr>
-        <p:spPr>
-          <a:xfrm>
-            <a:off x="7117278" y="4631899"/>
-            <a:ext cx="4429879" cy="1191032"/>
-          </a:xfrm>
-          <a:prstGeom prst="rect">
-            <a:avLst/>
-          </a:prstGeom>
-          <a:noFill/>
-        </p:spPr>
-        <p:txBody>
-          <a:bodyPr wrap="square" rtlCol="0">
-            <a:spAutoFit/>
-          </a:bodyPr>
-          <a:lstStyle/>
-          <a:p>
-            <a:pPr defTabSz="384048">
-              <a:spcAft>
-                <a:spcPts val="600"/>
-              </a:spcAft>
-            </a:pPr>
-            <a:r>
-              <a:rPr lang="en-US" sz="1428" kern="1200" dirty="0">
-                <a:solidFill>
-                  <a:schemeClr val="tx1"/>
-                </a:solidFill>
-                <a:latin typeface="Times New Roman" panose="02020603050405020304" pitchFamily="18" charset="0"/>
-                <a:ea typeface="+mn-ea"/>
-                <a:cs typeface="Times New Roman" panose="02020603050405020304" pitchFamily="18" charset="0"/>
-              </a:rPr>
-              <a:t>The word 'war' taken from the NRC Emotion Lexicon. While the term 'war' is typically considered a negative word with the emotion of fear therefore receiving a sentimental score of 1 for fear and 0 for the other emotions.</a:t>
-            </a:r>
-            <a:endParaRPr lang="en-IN" sz="1700" dirty="0">
-              <a:latin typeface="Times New Roman" panose="02020603050405020304" pitchFamily="18" charset="0"/>
-              <a:cs typeface="Times New Roman" panose="02020603050405020304" pitchFamily="18" charset="0"/>
-            </a:endParaRPr>
+              <a:rPr lang="en-US" altLang="en-US" dirty="0"/>
+              <a:t>Synthesis of historical texts by NLP, as shown in Anne Frank's diary, brings out amazing information about the history of mankind. Anne's diary, a witness to her emotional journey, revealed her inner conflict. NLP algorithms along with the NRC Emotion Lexicon help to elucidate Anne's inner emotions and </a:t>
+            </a:r>
+            <a:r>
+              <a:rPr lang="en-US" altLang="en-US" dirty="0" err="1"/>
+              <a:t>Streamlit</a:t>
+            </a:r>
+            <a:r>
+              <a:rPr lang="en-US" altLang="en-US" dirty="0"/>
+              <a:t> shows us her courage and pivotal moments. Anne's transcendent strength is what is left that will contribute to the improvement of cultural traditions and development of cultural identity.</a:t>
+            </a:r>
           </a:p>
         </p:txBody>
       </p:sp>
     </p:spTree>
     <p:extLst>
       <p:ext uri="{BB962C8B-B14F-4D97-AF65-F5344CB8AC3E}">
-        <p14:creationId xmlns:p14="http://schemas.microsoft.com/office/powerpoint/2010/main" val="2674983359"/>
+        <p14:creationId xmlns:p14="http://schemas.microsoft.com/office/powerpoint/2010/main" val="4102849716"/>
       </p:ext>
     </p:extLst>
   </p:cSld>
@@ -9068,7 +8590,7 @@
 </p:sld>
 </file>
 
-<file path=ppt/slides/slide6.xml><?xml version="1.0" encoding="utf-8"?>
+<file path=ppt/slides/slide4.xml><?xml version="1.0" encoding="utf-8"?>
 <p:sld xmlns:a="http://schemas.openxmlformats.org/drawingml/2006/main" xmlns:r="http://schemas.openxmlformats.org/officeDocument/2006/relationships" xmlns:p="http://schemas.openxmlformats.org/presentationml/2006/main">
   <p:cSld>
     <p:bg>
@@ -9098,7 +8620,7 @@
           <p:cNvPr id="2" name="Title 1">
             <a:extLst>
               <a:ext uri="{FF2B5EF4-FFF2-40B4-BE49-F238E27FC236}">
-                <a16:creationId xmlns:a16="http://schemas.microsoft.com/office/drawing/2014/main" id="{D3824275-38D9-CD7D-E214-E90C3E036620}"/>
+                <a16:creationId xmlns:a16="http://schemas.microsoft.com/office/drawing/2014/main" id="{5C365929-0460-9851-CA8A-D55C5FA914DA}"/>
               </a:ext>
             </a:extLst>
           </p:cNvPr>
@@ -9111,41 +8633,36 @@
         </p:nvSpPr>
         <p:spPr>
           <a:xfrm>
-            <a:off x="429768" y="411480"/>
-            <a:ext cx="11201400" cy="1106424"/>
-          </a:xfrm>
-        </p:spPr>
-        <p:txBody>
-          <a:bodyPr>
+            <a:off x="612648" y="449727"/>
+            <a:ext cx="6268770" cy="1536192"/>
+          </a:xfrm>
+        </p:spPr>
+        <p:txBody>
+          <a:bodyPr anchor="b">
             <a:normAutofit fontScale="90000"/>
           </a:bodyPr>
           <a:lstStyle/>
           <a:p>
             <a:r>
-              <a:rPr lang="en-US" sz="3600" b="1">
-                <a:effectLst/>
+              <a:rPr lang="en-US" sz="3300" dirty="0">
                 <a:latin typeface="Times New Roman" panose="02020603050405020304" pitchFamily="18" charset="0"/>
-                <a:cs typeface="Arial" panose="020B0604020202020204" pitchFamily="34" charset="0"/>
+                <a:cs typeface="Times New Roman" panose="02020603050405020304" pitchFamily="18" charset="0"/>
               </a:rPr>
-              <a:t> Emotion Extraction</a:t>
+              <a:t>Methodology for Sentiment Analysis and Emotion Extraction</a:t>
             </a:r>
             <a:br>
-              <a:rPr lang="en-IN" sz="3600" b="1">
-                <a:effectLst/>
-                <a:latin typeface="Times New Roman" panose="02020603050405020304" pitchFamily="18" charset="0"/>
-                <a:cs typeface="Arial" panose="020B0604020202020204" pitchFamily="34" charset="0"/>
-              </a:rPr>
+              <a:rPr lang="en-US" sz="3300" dirty="0"/>
             </a:br>
-            <a:endParaRPr lang="en-IN" sz="3600" dirty="0"/>
-          </a:p>
-        </p:txBody>
-      </p:sp>
-      <p:sp>
-        <p:nvSpPr>
-          <p:cNvPr id="3" name="Content Placeholder 2">
+            <a:endParaRPr lang="en-IN" sz="3300" dirty="0"/>
+          </a:p>
+        </p:txBody>
+      </p:sp>
+      <p:sp>
+        <p:nvSpPr>
+          <p:cNvPr id="8" name="Content Placeholder 7">
             <a:extLst>
               <a:ext uri="{FF2B5EF4-FFF2-40B4-BE49-F238E27FC236}">
-                <a16:creationId xmlns:a16="http://schemas.microsoft.com/office/drawing/2014/main" id="{3116B8B8-6F84-82B3-9634-927705E7B349}"/>
+                <a16:creationId xmlns:a16="http://schemas.microsoft.com/office/drawing/2014/main" id="{7D68145B-258B-6308-5D6D-F38B2B989510}"/>
               </a:ext>
             </a:extLst>
           </p:cNvPr>
@@ -9158,50 +8675,175 @@
         </p:nvSpPr>
         <p:spPr>
           <a:xfrm>
-            <a:off x="7938752" y="2020824"/>
-            <a:ext cx="3455097" cy="3959352"/>
-          </a:xfrm>
-        </p:spPr>
-        <p:txBody>
-          <a:bodyPr anchor="ctr">
-            <a:normAutofit/>
+            <a:off x="612648" y="1740310"/>
+            <a:ext cx="6268770" cy="4038698"/>
+          </a:xfrm>
+        </p:spPr>
+        <p:txBody>
+          <a:bodyPr>
+            <a:noAutofit/>
           </a:bodyPr>
           <a:lstStyle/>
           <a:p>
-            <a:r>
-              <a:rPr lang="en-US" sz="1700" dirty="0">
-                <a:effectLst/>
+            <a:pPr marL="457200" indent="-457200">
+              <a:lnSpc>
+                <a:spcPct val="100000"/>
+              </a:lnSpc>
+              <a:spcBef>
+                <a:spcPct val="40000"/>
+              </a:spcBef>
+              <a:buFont typeface="Arial" panose="020B0604020202020204" pitchFamily="34" charset="0"/>
+              <a:buChar char="•"/>
+            </a:pPr>
+            <a:r>
+              <a:rPr lang="en-US" altLang="en-US" sz="1400" dirty="0">
                 <a:latin typeface="Times New Roman" panose="02020603050405020304" pitchFamily="18" charset="0"/>
-                <a:ea typeface="Times New Roman" panose="02020603050405020304" pitchFamily="18" charset="0"/>
+                <a:ea typeface="Calibri" charset="0"/>
+                <a:cs typeface="Times New Roman" panose="02020603050405020304" pitchFamily="18" charset="0"/>
               </a:rPr>
-              <a:t>The code checks word appearing in text from NRC Emotion Lexicon. Once a match is found, the term is linked to the lexicon's definition of the category of emotions represented by those feelings(sadness," "anger," "fear," "joy," "trust," "disgust," "surprise," and "anticipation).</a:t>
-            </a:r>
-          </a:p>
-          <a:p>
-            <a:pPr marL="0" indent="0">
-              <a:buNone/>
+              <a:t>Data Collection: Obtaining Anne's Frank's diary entries. </a:t>
+            </a:r>
+          </a:p>
+          <a:p>
+            <a:pPr marL="457200" indent="-457200">
+              <a:lnSpc>
+                <a:spcPct val="100000"/>
+              </a:lnSpc>
+              <a:spcBef>
+                <a:spcPct val="40000"/>
+              </a:spcBef>
+              <a:buFont typeface="Arial" panose="020B0604020202020204" pitchFamily="34" charset="0"/>
+              <a:buChar char="•"/>
             </a:pPr>
-            <a:br>
-              <a:rPr lang="en-US" sz="1700" dirty="0">
-                <a:effectLst/>
+            <a:r>
+              <a:rPr lang="en-US" altLang="en-US" sz="1400" dirty="0">
                 <a:latin typeface="Times New Roman" panose="02020603050405020304" pitchFamily="18" charset="0"/>
-                <a:ea typeface="Times New Roman" panose="02020603050405020304" pitchFamily="18" charset="0"/>
+                <a:ea typeface="Calibri" charset="0"/>
+                <a:cs typeface="Times New Roman" panose="02020603050405020304" pitchFamily="18" charset="0"/>
               </a:rPr>
-            </a:br>
-            <a:endParaRPr lang="en-US" sz="1700" dirty="0">
-              <a:effectLst/>
+              <a:t>Text Preprocessing: Processing and formatting of text data for the analysis. </a:t>
+            </a:r>
+          </a:p>
+          <a:p>
+            <a:pPr marL="457200" indent="-457200">
+              <a:lnSpc>
+                <a:spcPct val="100000"/>
+              </a:lnSpc>
+              <a:spcBef>
+                <a:spcPct val="40000"/>
+              </a:spcBef>
+              <a:buFont typeface="Arial" panose="020B0604020202020204" pitchFamily="34" charset="0"/>
+              <a:buChar char="•"/>
+            </a:pPr>
+            <a:r>
+              <a:rPr lang="en-US" altLang="en-US" sz="1400" dirty="0">
+                <a:latin typeface="Times New Roman" panose="02020603050405020304" pitchFamily="18" charset="0"/>
+                <a:ea typeface="Calibri" charset="0"/>
+                <a:cs typeface="Times New Roman" panose="02020603050405020304" pitchFamily="18" charset="0"/>
+              </a:rPr>
+              <a:t>NRC Emotion Lexicon Loading: Loaded the NRC Emotion Lexicon in which the words are marked with the emotions and sentiments rating. </a:t>
+            </a:r>
+          </a:p>
+          <a:p>
+            <a:pPr marL="457200" indent="-457200">
+              <a:lnSpc>
+                <a:spcPct val="100000"/>
+              </a:lnSpc>
+              <a:spcBef>
+                <a:spcPct val="40000"/>
+              </a:spcBef>
+              <a:buFont typeface="Arial" panose="020B0604020202020204" pitchFamily="34" charset="0"/>
+              <a:buChar char="•"/>
+            </a:pPr>
+            <a:r>
+              <a:rPr lang="en-US" altLang="en-US" sz="1400" dirty="0">
+                <a:latin typeface="Times New Roman" panose="02020603050405020304" pitchFamily="18" charset="0"/>
+                <a:ea typeface="Calibri" charset="0"/>
+                <a:cs typeface="Times New Roman" panose="02020603050405020304" pitchFamily="18" charset="0"/>
+              </a:rPr>
+              <a:t>Sentiment Score Calculation and Labeling: The difference between the positive and negative emotions can be measured. Thus, this helps in calculating the sentiment scores and you can place them in clearly predefined categories. </a:t>
+            </a:r>
+          </a:p>
+          <a:p>
+            <a:pPr marL="457200" indent="-457200">
+              <a:lnSpc>
+                <a:spcPct val="100000"/>
+              </a:lnSpc>
+              <a:spcBef>
+                <a:spcPct val="40000"/>
+              </a:spcBef>
+              <a:buFont typeface="Arial" panose="020B0604020202020204" pitchFamily="34" charset="0"/>
+              <a:buChar char="•"/>
+            </a:pPr>
+            <a:r>
+              <a:rPr lang="en-US" altLang="en-US" sz="1400" dirty="0">
+                <a:latin typeface="Times New Roman" panose="02020603050405020304" pitchFamily="18" charset="0"/>
+                <a:ea typeface="Calibri" charset="0"/>
+                <a:cs typeface="Times New Roman" panose="02020603050405020304" pitchFamily="18" charset="0"/>
+              </a:rPr>
+              <a:t>Date Pair Analysis: Pick the date-entries in the diary text to know the sentiments and emotions trends over time.</a:t>
+            </a:r>
+          </a:p>
+          <a:p>
+            <a:pPr marL="457200" indent="-457200">
+              <a:lnSpc>
+                <a:spcPct val="100000"/>
+              </a:lnSpc>
+              <a:spcBef>
+                <a:spcPct val="40000"/>
+              </a:spcBef>
+              <a:buFont typeface="Arial" panose="020B0604020202020204" pitchFamily="34" charset="0"/>
+              <a:buChar char="•"/>
+            </a:pPr>
+            <a:r>
+              <a:rPr lang="en-US" altLang="en-US" sz="1400" dirty="0">
+                <a:latin typeface="Times New Roman" panose="02020603050405020304" pitchFamily="18" charset="0"/>
+                <a:ea typeface="Calibri" charset="0"/>
+                <a:cs typeface="Times New Roman" panose="02020603050405020304" pitchFamily="18" charset="0"/>
+              </a:rPr>
+              <a:t>CSV Data Export: Save extracted emotions and sentiment scores along with the date entries in a CSV file  for further analysis.</a:t>
+            </a:r>
+          </a:p>
+          <a:p>
+            <a:pPr marL="457200" indent="-457200">
+              <a:lnSpc>
+                <a:spcPct val="100000"/>
+              </a:lnSpc>
+              <a:spcBef>
+                <a:spcPct val="40000"/>
+              </a:spcBef>
+              <a:buFont typeface="Arial" panose="020B0604020202020204" pitchFamily="34" charset="0"/>
+              <a:buChar char="•"/>
+            </a:pPr>
+            <a:r>
+              <a:rPr lang="en-US" altLang="en-US" sz="1400" dirty="0">
+                <a:latin typeface="Times New Roman" panose="02020603050405020304" pitchFamily="18" charset="0"/>
+                <a:ea typeface="Calibri" charset="0"/>
+                <a:cs typeface="Times New Roman" panose="02020603050405020304" pitchFamily="18" charset="0"/>
+              </a:rPr>
+              <a:t> Visualizing the extracted data in </a:t>
+            </a:r>
+            <a:r>
+              <a:rPr lang="en-US" altLang="en-US" sz="1400" dirty="0" err="1">
+                <a:latin typeface="Times New Roman" panose="02020603050405020304" pitchFamily="18" charset="0"/>
+                <a:ea typeface="Calibri" charset="0"/>
+                <a:cs typeface="Times New Roman" panose="02020603050405020304" pitchFamily="18" charset="0"/>
+              </a:rPr>
+              <a:t>Streamlit</a:t>
+            </a:r>
+            <a:endParaRPr lang="en-US" sz="1400" dirty="0">
               <a:latin typeface="Times New Roman" panose="02020603050405020304" pitchFamily="18" charset="0"/>
-              <a:ea typeface="Times New Roman" panose="02020603050405020304" pitchFamily="18" charset="0"/>
+              <a:cs typeface="Times New Roman" panose="02020603050405020304" pitchFamily="18" charset="0"/>
             </a:endParaRPr>
           </a:p>
         </p:txBody>
       </p:sp>
       <p:pic>
         <p:nvPicPr>
-          <p:cNvPr id="4" name="Picture 3" descr="A computer screen shot of text&#10;&#10;Description automatically generated">
+          <p:cNvPr id="4" name="Content Placeholder 3" descr="A diagram of a data processing process&#10;&#10;Description automatically generated">
             <a:extLst>
               <a:ext uri="{FF2B5EF4-FFF2-40B4-BE49-F238E27FC236}">
-                <a16:creationId xmlns:a16="http://schemas.microsoft.com/office/drawing/2014/main" id="{063CCBFF-18B9-87C1-4352-321DC3ECBD05}"/>
+                <a16:creationId xmlns:a16="http://schemas.microsoft.com/office/drawing/2014/main" id="{F867107A-EA61-BEF5-44F3-61DD48957293}"/>
               </a:ext>
             </a:extLst>
           </p:cNvPr>
@@ -9218,60 +8860,18 @@
         </p:blipFill>
         <p:spPr>
           <a:xfrm>
-            <a:off x="429768" y="2553348"/>
-            <a:ext cx="6702552" cy="2848584"/>
+            <a:off x="7494066" y="990283"/>
+            <a:ext cx="4237686" cy="4801910"/>
           </a:xfrm>
           <a:prstGeom prst="rect">
             <a:avLst/>
           </a:prstGeom>
         </p:spPr>
       </p:pic>
-      <p:sp>
-        <p:nvSpPr>
-          <p:cNvPr id="6" name="TextBox 5">
-            <a:extLst>
-              <a:ext uri="{FF2B5EF4-FFF2-40B4-BE49-F238E27FC236}">
-                <a16:creationId xmlns:a16="http://schemas.microsoft.com/office/drawing/2014/main" id="{8E9907EC-99DE-CDEC-0945-981A5F0861A7}"/>
-              </a:ext>
-            </a:extLst>
-          </p:cNvPr>
-          <p:cNvSpPr txBox="1"/>
-          <p:nvPr/>
-        </p:nvSpPr>
-        <p:spPr>
-          <a:xfrm>
-            <a:off x="429767" y="2068966"/>
-            <a:ext cx="2804169" cy="353943"/>
-          </a:xfrm>
-          <a:prstGeom prst="rect">
-            <a:avLst/>
-          </a:prstGeom>
-          <a:noFill/>
-        </p:spPr>
-        <p:txBody>
-          <a:bodyPr wrap="square" rtlCol="0">
-            <a:spAutoFit/>
-          </a:bodyPr>
-          <a:lstStyle/>
-          <a:p>
-            <a:r>
-              <a:rPr lang="en-US" sz="1700">
-                <a:latin typeface="Times New Roman" panose="02020603050405020304" pitchFamily="18" charset="0"/>
-                <a:cs typeface="Times New Roman" panose="02020603050405020304" pitchFamily="18" charset="0"/>
-              </a:rPr>
-              <a:t>Code Snippet:</a:t>
-            </a:r>
-            <a:endParaRPr lang="en-IN" sz="1700" dirty="0">
-              <a:latin typeface="Times New Roman" panose="02020603050405020304" pitchFamily="18" charset="0"/>
-              <a:cs typeface="Times New Roman" panose="02020603050405020304" pitchFamily="18" charset="0"/>
-            </a:endParaRPr>
-          </a:p>
-        </p:txBody>
-      </p:sp>
     </p:spTree>
     <p:extLst>
       <p:ext uri="{BB962C8B-B14F-4D97-AF65-F5344CB8AC3E}">
-        <p14:creationId xmlns:p14="http://schemas.microsoft.com/office/powerpoint/2010/main" val="2699243183"/>
+        <p14:creationId xmlns:p14="http://schemas.microsoft.com/office/powerpoint/2010/main" val="2902320247"/>
       </p:ext>
     </p:extLst>
   </p:cSld>
@@ -9281,7 +8881,478 @@
 </p:sld>
 </file>
 
-<file path=ppt/slides/slide7.xml><?xml version="1.0" encoding="utf-8"?>
+<file path=ppt/slides/slide5.xml><?xml version="1.0" encoding="utf-8"?>
+<p:sld xmlns:a="http://schemas.openxmlformats.org/drawingml/2006/main" xmlns:r="http://schemas.openxmlformats.org/officeDocument/2006/relationships" xmlns:p="http://schemas.openxmlformats.org/presentationml/2006/main">
+  <p:cSld>
+    <p:bg>
+      <p:bgPr>
+        <a:solidFill>
+          <a:schemeClr val="bg1"/>
+        </a:solidFill>
+        <a:effectLst/>
+      </p:bgPr>
+    </p:bg>
+    <p:spTree>
+      <p:nvGrpSpPr>
+        <p:cNvPr id="1" name=""/>
+        <p:cNvGrpSpPr/>
+        <p:nvPr/>
+      </p:nvGrpSpPr>
+      <p:grpSpPr>
+        <a:xfrm>
+          <a:off x="0" y="0"/>
+          <a:ext cx="0" cy="0"/>
+          <a:chOff x="0" y="0"/>
+          <a:chExt cx="0" cy="0"/>
+        </a:xfrm>
+      </p:grpSpPr>
+      <p:sp>
+        <p:nvSpPr>
+          <p:cNvPr id="2" name="Title 1">
+            <a:extLst>
+              <a:ext uri="{FF2B5EF4-FFF2-40B4-BE49-F238E27FC236}">
+                <a16:creationId xmlns:a16="http://schemas.microsoft.com/office/drawing/2014/main" id="{A3D8FF69-0104-FF82-3F28-65B9B4CAB505}"/>
+              </a:ext>
+            </a:extLst>
+          </p:cNvPr>
+          <p:cNvSpPr>
+            <a:spLocks noGrp="1"/>
+          </p:cNvSpPr>
+          <p:nvPr>
+            <p:ph type="title"/>
+          </p:nvPr>
+        </p:nvSpPr>
+        <p:spPr>
+          <a:xfrm>
+            <a:off x="786014" y="263580"/>
+            <a:ext cx="6007608" cy="414544"/>
+          </a:xfrm>
+        </p:spPr>
+        <p:txBody>
+          <a:bodyPr>
+            <a:normAutofit fontScale="90000"/>
+          </a:bodyPr>
+          <a:lstStyle/>
+          <a:p>
+            <a:r>
+              <a:rPr lang="en-US" sz="2800" b="1" dirty="0">
+                <a:effectLst/>
+                <a:latin typeface="Times New Roman" panose="02020603050405020304" pitchFamily="18" charset="0"/>
+              </a:rPr>
+              <a:t>Preprocessing and Data Cleaning</a:t>
+            </a:r>
+            <a:br>
+              <a:rPr lang="en-IN" sz="2800" b="1" dirty="0">
+                <a:effectLst/>
+                <a:latin typeface="Times New Roman" panose="02020603050405020304" pitchFamily="18" charset="0"/>
+              </a:rPr>
+            </a:br>
+            <a:endParaRPr lang="en-IN" sz="2800" dirty="0"/>
+          </a:p>
+        </p:txBody>
+      </p:sp>
+      <p:sp>
+        <p:nvSpPr>
+          <p:cNvPr id="3" name="Content Placeholder 2">
+            <a:extLst>
+              <a:ext uri="{FF2B5EF4-FFF2-40B4-BE49-F238E27FC236}">
+                <a16:creationId xmlns:a16="http://schemas.microsoft.com/office/drawing/2014/main" id="{7A842A97-FCD7-2DEA-1303-382AC7EA3C69}"/>
+              </a:ext>
+            </a:extLst>
+          </p:cNvPr>
+          <p:cNvSpPr>
+            <a:spLocks noGrp="1"/>
+          </p:cNvSpPr>
+          <p:nvPr>
+            <p:ph idx="1"/>
+          </p:nvPr>
+        </p:nvSpPr>
+        <p:spPr>
+          <a:xfrm>
+            <a:off x="473581" y="678123"/>
+            <a:ext cx="6721881" cy="5666077"/>
+          </a:xfrm>
+        </p:spPr>
+        <p:txBody>
+          <a:bodyPr>
+            <a:normAutofit/>
+          </a:bodyPr>
+          <a:lstStyle/>
+          <a:p>
+            <a:pPr marL="0" indent="0">
+              <a:lnSpc>
+                <a:spcPct val="100000"/>
+              </a:lnSpc>
+              <a:buNone/>
+            </a:pPr>
+            <a:r>
+              <a:rPr lang="en-US" sz="1700" dirty="0">
+                <a:latin typeface="Times New Roman" panose="02020603050405020304" pitchFamily="18" charset="0"/>
+                <a:cs typeface="Times New Roman" panose="02020603050405020304" pitchFamily="18" charset="0"/>
+              </a:rPr>
+              <a:t>The text preprocessing stage focuses on eliminating unnecessary characters and symbols, removing non-linguistic content such as numbers, text tokenized into discrete words and filtering out stop words to facilitate meaningful analysis. </a:t>
+            </a:r>
+          </a:p>
+          <a:p>
+            <a:pPr>
+              <a:lnSpc>
+                <a:spcPct val="100000"/>
+              </a:lnSpc>
+            </a:pPr>
+            <a:endParaRPr lang="en-US" sz="1700" dirty="0">
+              <a:latin typeface="Times New Roman" panose="02020603050405020304" pitchFamily="18" charset="0"/>
+              <a:cs typeface="Times New Roman" panose="02020603050405020304" pitchFamily="18" charset="0"/>
+            </a:endParaRPr>
+          </a:p>
+          <a:p>
+            <a:pPr>
+              <a:lnSpc>
+                <a:spcPct val="100000"/>
+              </a:lnSpc>
+            </a:pPr>
+            <a:endParaRPr lang="en-US" sz="1700" dirty="0">
+              <a:latin typeface="Times New Roman" panose="02020603050405020304" pitchFamily="18" charset="0"/>
+              <a:cs typeface="Times New Roman" panose="02020603050405020304" pitchFamily="18" charset="0"/>
+            </a:endParaRPr>
+          </a:p>
+          <a:p>
+            <a:pPr>
+              <a:lnSpc>
+                <a:spcPct val="100000"/>
+              </a:lnSpc>
+            </a:pPr>
+            <a:endParaRPr lang="en-US" sz="1700" dirty="0">
+              <a:latin typeface="Times New Roman" panose="02020603050405020304" pitchFamily="18" charset="0"/>
+              <a:cs typeface="Times New Roman" panose="02020603050405020304" pitchFamily="18" charset="0"/>
+            </a:endParaRPr>
+          </a:p>
+          <a:p>
+            <a:pPr marL="0" indent="0">
+              <a:lnSpc>
+                <a:spcPct val="100000"/>
+              </a:lnSpc>
+              <a:buNone/>
+            </a:pPr>
+            <a:br>
+              <a:rPr lang="en-US" sz="1700" dirty="0">
+                <a:latin typeface="Times New Roman" panose="02020603050405020304" pitchFamily="18" charset="0"/>
+                <a:cs typeface="Times New Roman" panose="02020603050405020304" pitchFamily="18" charset="0"/>
+              </a:rPr>
+            </a:br>
+            <a:endParaRPr lang="en-US" sz="1700" dirty="0">
+              <a:latin typeface="Times New Roman" panose="02020603050405020304" pitchFamily="18" charset="0"/>
+              <a:cs typeface="Times New Roman" panose="02020603050405020304" pitchFamily="18" charset="0"/>
+            </a:endParaRPr>
+          </a:p>
+        </p:txBody>
+      </p:sp>
+      <p:pic>
+        <p:nvPicPr>
+          <p:cNvPr id="5" name="Picture 4" descr="A computer screen shot of a computer code&#10;&#10;Description automatically generated">
+            <a:extLst>
+              <a:ext uri="{FF2B5EF4-FFF2-40B4-BE49-F238E27FC236}">
+                <a16:creationId xmlns:a16="http://schemas.microsoft.com/office/drawing/2014/main" id="{6FA11C41-7204-70E6-9C32-7804441FD03D}"/>
+              </a:ext>
+            </a:extLst>
+          </p:cNvPr>
+          <p:cNvPicPr>
+            <a:picLocks noChangeAspect="1"/>
+          </p:cNvPicPr>
+          <p:nvPr/>
+        </p:nvPicPr>
+        <p:blipFill>
+          <a:blip r:embed="rId2"/>
+          <a:stretch>
+            <a:fillRect/>
+          </a:stretch>
+        </p:blipFill>
+        <p:spPr>
+          <a:xfrm>
+            <a:off x="767850" y="2572921"/>
+            <a:ext cx="4233672" cy="1227844"/>
+          </a:xfrm>
+          <a:prstGeom prst="rect">
+            <a:avLst/>
+          </a:prstGeom>
+        </p:spPr>
+      </p:pic>
+      <p:pic>
+        <p:nvPicPr>
+          <p:cNvPr id="4" name="Picture 3" descr="A computer code with text&#10;&#10;Description automatically generated">
+            <a:extLst>
+              <a:ext uri="{FF2B5EF4-FFF2-40B4-BE49-F238E27FC236}">
+                <a16:creationId xmlns:a16="http://schemas.microsoft.com/office/drawing/2014/main" id="{5A25662D-7E1A-970E-06AB-2FF2772CD1A6}"/>
+              </a:ext>
+            </a:extLst>
+          </p:cNvPr>
+          <p:cNvPicPr>
+            <a:picLocks noChangeAspect="1"/>
+          </p:cNvPicPr>
+          <p:nvPr/>
+        </p:nvPicPr>
+        <p:blipFill>
+          <a:blip r:embed="rId3"/>
+          <a:stretch>
+            <a:fillRect/>
+          </a:stretch>
+        </p:blipFill>
+        <p:spPr>
+          <a:xfrm>
+            <a:off x="767850" y="4554775"/>
+            <a:ext cx="4230116" cy="1586293"/>
+          </a:xfrm>
+          <a:prstGeom prst="rect">
+            <a:avLst/>
+          </a:prstGeom>
+        </p:spPr>
+      </p:pic>
+      <p:sp>
+        <p:nvSpPr>
+          <p:cNvPr id="7" name="TextBox 6">
+            <a:extLst>
+              <a:ext uri="{FF2B5EF4-FFF2-40B4-BE49-F238E27FC236}">
+                <a16:creationId xmlns:a16="http://schemas.microsoft.com/office/drawing/2014/main" id="{C10DC67B-229A-FF8F-B32E-043232F213C9}"/>
+              </a:ext>
+            </a:extLst>
+          </p:cNvPr>
+          <p:cNvSpPr txBox="1"/>
+          <p:nvPr/>
+        </p:nvSpPr>
+        <p:spPr>
+          <a:xfrm>
+            <a:off x="714179" y="2159085"/>
+            <a:ext cx="4101467" cy="369332"/>
+          </a:xfrm>
+          <a:prstGeom prst="rect">
+            <a:avLst/>
+          </a:prstGeom>
+          <a:noFill/>
+        </p:spPr>
+        <p:txBody>
+          <a:bodyPr wrap="square" rtlCol="0">
+            <a:spAutoFit/>
+          </a:bodyPr>
+          <a:lstStyle/>
+          <a:p>
+            <a:pPr>
+              <a:lnSpc>
+                <a:spcPct val="100000"/>
+              </a:lnSpc>
+            </a:pPr>
+            <a:r>
+              <a:rPr lang="en-US" sz="1800" dirty="0">
+                <a:latin typeface="Times New Roman" panose="02020603050405020304" pitchFamily="18" charset="0"/>
+                <a:cs typeface="Times New Roman" panose="02020603050405020304" pitchFamily="18" charset="0"/>
+              </a:rPr>
+              <a:t>Text Preprocessing:</a:t>
+            </a:r>
+            <a:r>
+              <a:rPr lang="en-IN" sz="1800" dirty="0">
+                <a:latin typeface="Times New Roman" panose="02020603050405020304" pitchFamily="18" charset="0"/>
+                <a:cs typeface="Times New Roman" panose="02020603050405020304" pitchFamily="18" charset="0"/>
+              </a:rPr>
+              <a:t> </a:t>
+            </a:r>
+          </a:p>
+        </p:txBody>
+      </p:sp>
+      <p:sp>
+        <p:nvSpPr>
+          <p:cNvPr id="8" name="TextBox 7">
+            <a:extLst>
+              <a:ext uri="{FF2B5EF4-FFF2-40B4-BE49-F238E27FC236}">
+                <a16:creationId xmlns:a16="http://schemas.microsoft.com/office/drawing/2014/main" id="{2BEAE6AD-B03F-9F75-1D33-12D0620DD118}"/>
+              </a:ext>
+            </a:extLst>
+          </p:cNvPr>
+          <p:cNvSpPr txBox="1"/>
+          <p:nvPr/>
+        </p:nvSpPr>
+        <p:spPr>
+          <a:xfrm>
+            <a:off x="786014" y="3919968"/>
+            <a:ext cx="3987015" cy="646331"/>
+          </a:xfrm>
+          <a:prstGeom prst="rect">
+            <a:avLst/>
+          </a:prstGeom>
+          <a:noFill/>
+        </p:spPr>
+        <p:txBody>
+          <a:bodyPr wrap="square" rtlCol="0">
+            <a:spAutoFit/>
+          </a:bodyPr>
+          <a:lstStyle/>
+          <a:p>
+            <a:r>
+              <a:rPr lang="en-US" sz="1800" dirty="0">
+                <a:latin typeface="Times New Roman" panose="02020603050405020304" pitchFamily="18" charset="0"/>
+                <a:cs typeface="Times New Roman" panose="02020603050405020304" pitchFamily="18" charset="0"/>
+              </a:rPr>
+              <a:t>Text tokenization and filtering stop words:</a:t>
+            </a:r>
+            <a:endParaRPr lang="en-IN" dirty="0"/>
+          </a:p>
+        </p:txBody>
+      </p:sp>
+      <p:pic>
+        <p:nvPicPr>
+          <p:cNvPr id="9" name="Picture 8" descr="A text on a page&#10;&#10;Description automatically generated">
+            <a:extLst>
+              <a:ext uri="{FF2B5EF4-FFF2-40B4-BE49-F238E27FC236}">
+                <a16:creationId xmlns:a16="http://schemas.microsoft.com/office/drawing/2014/main" id="{92BA046D-38A3-F84C-1FA5-0206EF194B46}"/>
+              </a:ext>
+            </a:extLst>
+          </p:cNvPr>
+          <p:cNvPicPr>
+            <a:picLocks noChangeAspect="1"/>
+          </p:cNvPicPr>
+          <p:nvPr/>
+        </p:nvPicPr>
+        <p:blipFill>
+          <a:blip r:embed="rId4"/>
+          <a:stretch>
+            <a:fillRect/>
+          </a:stretch>
+        </p:blipFill>
+        <p:spPr>
+          <a:xfrm>
+            <a:off x="7502635" y="791425"/>
+            <a:ext cx="4421263" cy="2778322"/>
+          </a:xfrm>
+          <a:prstGeom prst="rect">
+            <a:avLst/>
+          </a:prstGeom>
+        </p:spPr>
+      </p:pic>
+      <p:pic>
+        <p:nvPicPr>
+          <p:cNvPr id="11" name="Picture 10" descr="A screenshot of a text&#10;&#10;Description automatically generated">
+            <a:extLst>
+              <a:ext uri="{FF2B5EF4-FFF2-40B4-BE49-F238E27FC236}">
+                <a16:creationId xmlns:a16="http://schemas.microsoft.com/office/drawing/2014/main" id="{9068B7F9-7879-B0D7-411E-FBF495744204}"/>
+              </a:ext>
+            </a:extLst>
+          </p:cNvPr>
+          <p:cNvPicPr>
+            <a:picLocks noChangeAspect="1"/>
+          </p:cNvPicPr>
+          <p:nvPr/>
+        </p:nvPicPr>
+        <p:blipFill>
+          <a:blip r:embed="rId5"/>
+          <a:stretch>
+            <a:fillRect/>
+          </a:stretch>
+        </p:blipFill>
+        <p:spPr>
+          <a:xfrm>
+            <a:off x="7502635" y="3919968"/>
+            <a:ext cx="4421263" cy="2778321"/>
+          </a:xfrm>
+          <a:prstGeom prst="rect">
+            <a:avLst/>
+          </a:prstGeom>
+        </p:spPr>
+      </p:pic>
+      <p:sp>
+        <p:nvSpPr>
+          <p:cNvPr id="13" name="TextBox 12">
+            <a:extLst>
+              <a:ext uri="{FF2B5EF4-FFF2-40B4-BE49-F238E27FC236}">
+                <a16:creationId xmlns:a16="http://schemas.microsoft.com/office/drawing/2014/main" id="{E4CA5331-9550-D6DF-E9FF-BA5DDFA56458}"/>
+              </a:ext>
+            </a:extLst>
+          </p:cNvPr>
+          <p:cNvSpPr txBox="1"/>
+          <p:nvPr/>
+        </p:nvSpPr>
+        <p:spPr>
+          <a:xfrm>
+            <a:off x="7502635" y="441052"/>
+            <a:ext cx="2409904" cy="369332"/>
+          </a:xfrm>
+          <a:prstGeom prst="rect">
+            <a:avLst/>
+          </a:prstGeom>
+          <a:noFill/>
+        </p:spPr>
+        <p:txBody>
+          <a:bodyPr wrap="square" rtlCol="0">
+            <a:spAutoFit/>
+          </a:bodyPr>
+          <a:lstStyle/>
+          <a:p>
+            <a:r>
+              <a:rPr lang="en-US" dirty="0">
+                <a:latin typeface="Times New Roman" panose="02020603050405020304" pitchFamily="18" charset="0"/>
+                <a:cs typeface="Times New Roman" panose="02020603050405020304" pitchFamily="18" charset="0"/>
+              </a:rPr>
+              <a:t>Before:</a:t>
+            </a:r>
+            <a:endParaRPr lang="en-IN" dirty="0">
+              <a:latin typeface="Times New Roman" panose="02020603050405020304" pitchFamily="18" charset="0"/>
+              <a:cs typeface="Times New Roman" panose="02020603050405020304" pitchFamily="18" charset="0"/>
+            </a:endParaRPr>
+          </a:p>
+        </p:txBody>
+      </p:sp>
+      <p:sp>
+        <p:nvSpPr>
+          <p:cNvPr id="15" name="TextBox 14">
+            <a:extLst>
+              <a:ext uri="{FF2B5EF4-FFF2-40B4-BE49-F238E27FC236}">
+                <a16:creationId xmlns:a16="http://schemas.microsoft.com/office/drawing/2014/main" id="{A9F290F0-5086-91F6-F30A-65E8FAF487A7}"/>
+              </a:ext>
+            </a:extLst>
+          </p:cNvPr>
+          <p:cNvSpPr txBox="1"/>
+          <p:nvPr/>
+        </p:nvSpPr>
+        <p:spPr>
+          <a:xfrm>
+            <a:off x="7591943" y="3569747"/>
+            <a:ext cx="2409904" cy="369332"/>
+          </a:xfrm>
+          <a:prstGeom prst="rect">
+            <a:avLst/>
+          </a:prstGeom>
+          <a:noFill/>
+        </p:spPr>
+        <p:txBody>
+          <a:bodyPr wrap="square" rtlCol="0">
+            <a:spAutoFit/>
+          </a:bodyPr>
+          <a:lstStyle/>
+          <a:p>
+            <a:r>
+              <a:rPr lang="en-US" dirty="0">
+                <a:latin typeface="Times New Roman" panose="02020603050405020304" pitchFamily="18" charset="0"/>
+                <a:cs typeface="Times New Roman" panose="02020603050405020304" pitchFamily="18" charset="0"/>
+              </a:rPr>
+              <a:t> After:</a:t>
+            </a:r>
+            <a:endParaRPr lang="en-IN" dirty="0">
+              <a:latin typeface="Times New Roman" panose="02020603050405020304" pitchFamily="18" charset="0"/>
+              <a:cs typeface="Times New Roman" panose="02020603050405020304" pitchFamily="18" charset="0"/>
+            </a:endParaRPr>
+          </a:p>
+        </p:txBody>
+      </p:sp>
+    </p:spTree>
+    <p:extLst>
+      <p:ext uri="{BB962C8B-B14F-4D97-AF65-F5344CB8AC3E}">
+        <p14:creationId xmlns:p14="http://schemas.microsoft.com/office/powerpoint/2010/main" val="2917477705"/>
+      </p:ext>
+    </p:extLst>
+  </p:cSld>
+  <p:clrMapOvr>
+    <a:masterClrMapping/>
+  </p:clrMapOvr>
+</p:sld>
+</file>
+
+<file path=ppt/slides/slide6.xml><?xml version="1.0" encoding="utf-8"?>
 <p:sld xmlns:a="http://schemas.openxmlformats.org/drawingml/2006/main" xmlns:r="http://schemas.openxmlformats.org/officeDocument/2006/relationships" xmlns:p="http://schemas.openxmlformats.org/presentationml/2006/main">
   <p:cSld>
     <p:bg>
@@ -9322,7 +9393,7 @@
           <p:cNvPr id="2" name="Title 1">
             <a:extLst>
               <a:ext uri="{FF2B5EF4-FFF2-40B4-BE49-F238E27FC236}">
-                <a16:creationId xmlns:a16="http://schemas.microsoft.com/office/drawing/2014/main" id="{9ED84F7C-0A3E-30AE-A2AD-24CDED2D32C8}"/>
+                <a16:creationId xmlns:a16="http://schemas.microsoft.com/office/drawing/2014/main" id="{E675A1B0-C477-8DF2-A0BC-ECEF60AE6B49}"/>
               </a:ext>
             </a:extLst>
           </p:cNvPr>
@@ -9345,17 +9416,27 @@
           </a:bodyPr>
           <a:lstStyle/>
           <a:p>
-            <a:r>
-              <a:rPr lang="en-US" dirty="0">
+            <a:pPr>
+              <a:lnSpc>
+                <a:spcPct val="90000"/>
+              </a:lnSpc>
+            </a:pPr>
+            <a:r>
+              <a:rPr lang="en-US" sz="3100" b="1" dirty="0">
+                <a:effectLst/>
                 <a:latin typeface="Times New Roman" panose="02020603050405020304" pitchFamily="18" charset="0"/>
-                <a:cs typeface="Times New Roman" panose="02020603050405020304" pitchFamily="18" charset="0"/>
+                <a:cs typeface="Arial" panose="020B0604020202020204" pitchFamily="34" charset="0"/>
               </a:rPr>
-              <a:t>Sentiment Score Calculation and Labeling</a:t>
-            </a:r>
-            <a:endParaRPr lang="en-IN" dirty="0">
-              <a:latin typeface="Times New Roman" panose="02020603050405020304" pitchFamily="18" charset="0"/>
-              <a:cs typeface="Times New Roman" panose="02020603050405020304" pitchFamily="18" charset="0"/>
-            </a:endParaRPr>
+              <a:t>NRC Emotion Lexicon Loading</a:t>
+            </a:r>
+            <a:br>
+              <a:rPr lang="en-IN" sz="3100" b="1" dirty="0">
+                <a:effectLst/>
+                <a:latin typeface="Times New Roman" panose="02020603050405020304" pitchFamily="18" charset="0"/>
+                <a:cs typeface="Arial" panose="020B0604020202020204" pitchFamily="34" charset="0"/>
+              </a:rPr>
+            </a:br>
+            <a:endParaRPr lang="en-IN" sz="3100" dirty="0"/>
           </a:p>
         </p:txBody>
       </p:sp>
@@ -9364,119 +9445,66 @@
           <p:cNvPr id="3" name="Content Placeholder 2">
             <a:extLst>
               <a:ext uri="{FF2B5EF4-FFF2-40B4-BE49-F238E27FC236}">
-                <a16:creationId xmlns:a16="http://schemas.microsoft.com/office/drawing/2014/main" id="{2000BA6E-AE63-D620-F198-ED2A02248DD2}"/>
+                <a16:creationId xmlns:a16="http://schemas.microsoft.com/office/drawing/2014/main" id="{602B34A6-A9C4-5C50-F456-108CC32F6907}"/>
               </a:ext>
             </a:extLst>
           </p:cNvPr>
           <p:cNvSpPr>
-            <a:spLocks noGrp="1"/>
-          </p:cNvSpPr>
-          <p:nvPr>
-            <p:ph idx="1"/>
-          </p:nvPr>
-        </p:nvSpPr>
-        <p:spPr>
-          <a:xfrm>
-            <a:off x="913795" y="1732449"/>
-            <a:ext cx="5546272" cy="4058751"/>
-          </a:xfrm>
-        </p:spPr>
-        <p:txBody>
-          <a:bodyPr anchor="ctr">
+            <a:spLocks/>
+          </p:cNvSpPr>
+          <p:nvPr/>
+        </p:nvSpPr>
+        <p:spPr>
+          <a:xfrm>
+            <a:off x="1128264" y="2087376"/>
+            <a:ext cx="5280982" cy="2378751"/>
+          </a:xfrm>
+          <a:prstGeom prst="rect">
+            <a:avLst/>
+          </a:prstGeom>
+        </p:spPr>
+        <p:txBody>
+          <a:bodyPr>
             <a:normAutofit/>
           </a:bodyPr>
           <a:lstStyle/>
           <a:p>
-            <a:pPr>
-              <a:buClr>
-                <a:srgbClr val="FF9C00"/>
-              </a:buClr>
+            <a:pPr defTabSz="384048">
+              <a:spcAft>
+                <a:spcPts val="600"/>
+              </a:spcAft>
             </a:pPr>
             <a:r>
-              <a:rPr lang="en-US" dirty="0">
-                <a:effectLst/>
+              <a:rPr lang="en-US" sz="1512" kern="1200" dirty="0">
+                <a:solidFill>
+                  <a:schemeClr val="tx1"/>
+                </a:solidFill>
                 <a:latin typeface="Times New Roman" panose="02020603050405020304" pitchFamily="18" charset="0"/>
-                <a:ea typeface="Times New Roman" panose="02020603050405020304" pitchFamily="18" charset="0"/>
+                <a:ea typeface="+mn-ea"/>
+                <a:cs typeface="Times New Roman" panose="02020603050405020304" pitchFamily="18" charset="0"/>
               </a:rPr>
-              <a:t>The difference between the positive and negative emotions can be measured. Thus, this helps in calculating the sentiment scores . </a:t>
-            </a:r>
-          </a:p>
-          <a:p>
-            <a:pPr>
-              <a:buClr>
-                <a:srgbClr val="FF9C00"/>
-              </a:buClr>
-            </a:pPr>
-            <a:r>
-              <a:rPr lang="en-US" dirty="0">
-                <a:effectLst/>
-                <a:latin typeface="Times New Roman" panose="02020603050405020304" pitchFamily="18" charset="0"/>
-                <a:ea typeface="Times New Roman" panose="02020603050405020304" pitchFamily="18" charset="0"/>
+              <a:t>The second step involves bringing to the limelight the NRC Emotion Lexicon which is a meticulously designed lexicon consisting of emotion labeled words that have sentiment ratings.</a:t>
+            </a:r>
+            <a:br>
+              <a:rPr lang="en-US" sz="1512" kern="1200" dirty="0">
+                <a:solidFill>
+                  <a:schemeClr val="tx1"/>
+                </a:solidFill>
+                <a:latin typeface="Axiforma"/>
+                <a:ea typeface="+mn-ea"/>
+                <a:cs typeface="+mn-cs"/>
               </a:rPr>
-              <a:t>Sentiment is intended to be labeled into discrete groups, such as highly positive, positive, neutral, negative, or highly negative, by using predetermined thresholds to enable classification.</a:t>
-            </a:r>
-          </a:p>
-          <a:p>
-            <a:pPr>
-              <a:buClr>
-                <a:srgbClr val="FF9C00"/>
-              </a:buClr>
-            </a:pPr>
-            <a:endParaRPr lang="en-IN" dirty="0"/>
+            </a:br>
+            <a:endParaRPr lang="en-IN" sz="1800" dirty="0"/>
           </a:p>
         </p:txBody>
       </p:sp>
       <p:pic>
         <p:nvPicPr>
-          <p:cNvPr id="9" name="Picture 8">
+          <p:cNvPr id="6" name="Picture 5">
             <a:extLst>
               <a:ext uri="{FF2B5EF4-FFF2-40B4-BE49-F238E27FC236}">
-                <a16:creationId xmlns:a16="http://schemas.microsoft.com/office/drawing/2014/main" id="{AD661026-DE64-47F1-9F88-0847B5FB3560}"/>
-              </a:ext>
-              <a:ext uri="{C183D7F6-B498-43B3-948B-1728B52AA6E4}">
-                <adec:decorative xmlns:adec="http://schemas.microsoft.com/office/drawing/2017/decorative" val="1"/>
-              </a:ext>
-            </a:extLst>
-          </p:cNvPr>
-          <p:cNvPicPr>
-            <a:picLocks noGrp="1" noRot="1" noChangeAspect="1" noMove="1" noResize="1" noEditPoints="1" noAdjustHandles="1" noChangeArrowheads="1" noChangeShapeType="1" noCrop="1"/>
-          </p:cNvPicPr>
-          <p:nvPr>
-            <p:extLst>
-              <p:ext uri="{386F3935-93C4-4BCD-93E2-E3B085C9AB24}">
-                <p16:designElem xmlns:p16="http://schemas.microsoft.com/office/powerpoint/2015/main" val="1"/>
-              </p:ext>
-            </p:extLst>
-          </p:nvPr>
-        </p:nvPicPr>
-        <p:blipFill>
-          <a:blip r:embed="rId3">
-            <a:extLst>
-              <a:ext uri="{28A0092B-C50C-407E-A947-70E740481C1C}">
-                <a14:useLocalDpi xmlns:a14="http://schemas.microsoft.com/office/drawing/2010/main" val="0"/>
-              </a:ext>
-            </a:extLst>
-          </a:blip>
-          <a:stretch>
-            <a:fillRect/>
-          </a:stretch>
-        </p:blipFill>
-        <p:spPr>
-          <a:xfrm>
-            <a:off x="6934200" y="1998132"/>
-            <a:ext cx="4333632" cy="3521077"/>
-          </a:xfrm>
-          <a:prstGeom prst="rect">
-            <a:avLst/>
-          </a:prstGeom>
-        </p:spPr>
-      </p:pic>
-      <p:pic>
-        <p:nvPicPr>
-          <p:cNvPr id="4" name="Picture 3" descr="A computer screen shot of a program&#10;&#10;Description automatically generated">
-            <a:extLst>
-              <a:ext uri="{FF2B5EF4-FFF2-40B4-BE49-F238E27FC236}">
-                <a16:creationId xmlns:a16="http://schemas.microsoft.com/office/drawing/2014/main" id="{E9129CBD-E1D0-4F0B-E070-CE4E92291EDD}"/>
+                <a16:creationId xmlns:a16="http://schemas.microsoft.com/office/drawing/2014/main" id="{296CC946-5D7F-1AE9-0411-29548F69E417}"/>
               </a:ext>
             </a:extLst>
           </p:cNvPr>
@@ -9485,25 +9513,320 @@
           </p:cNvPicPr>
           <p:nvPr/>
         </p:nvPicPr>
-        <p:blipFill rotWithShape="1">
-          <a:blip r:embed="rId4"/>
-          <a:srcRect r="14550" b="5"/>
-          <a:stretch/>
+        <p:blipFill>
+          <a:blip r:embed="rId3"/>
+          <a:stretch>
+            <a:fillRect/>
+          </a:stretch>
         </p:blipFill>
         <p:spPr>
           <a:xfrm>
-            <a:off x="7066560" y="2132822"/>
-            <a:ext cx="4065464" cy="3258006"/>
+            <a:off x="7685437" y="2149313"/>
+            <a:ext cx="2945437" cy="2386449"/>
           </a:xfrm>
           <a:prstGeom prst="rect">
             <a:avLst/>
           </a:prstGeom>
         </p:spPr>
       </p:pic>
+      <p:pic>
+        <p:nvPicPr>
+          <p:cNvPr id="4" name="Picture 3" descr="A screenshot of a computer code&#10;&#10;Description automatically generated">
+            <a:extLst>
+              <a:ext uri="{FF2B5EF4-FFF2-40B4-BE49-F238E27FC236}">
+                <a16:creationId xmlns:a16="http://schemas.microsoft.com/office/drawing/2014/main" id="{F413CE44-382B-E442-9DC1-11CE77AE9003}"/>
+              </a:ext>
+            </a:extLst>
+          </p:cNvPr>
+          <p:cNvPicPr>
+            <a:picLocks noChangeAspect="1"/>
+          </p:cNvPicPr>
+          <p:nvPr/>
+        </p:nvPicPr>
+        <p:blipFill>
+          <a:blip r:embed="rId4"/>
+          <a:stretch>
+            <a:fillRect/>
+          </a:stretch>
+        </p:blipFill>
+        <p:spPr>
+          <a:xfrm>
+            <a:off x="1146595" y="3342538"/>
+            <a:ext cx="5280983" cy="1750778"/>
+          </a:xfrm>
+          <a:prstGeom prst="rect">
+            <a:avLst/>
+          </a:prstGeom>
+        </p:spPr>
+      </p:pic>
+      <p:sp>
+        <p:nvSpPr>
+          <p:cNvPr id="8" name="TextBox 7">
+            <a:extLst>
+              <a:ext uri="{FF2B5EF4-FFF2-40B4-BE49-F238E27FC236}">
+                <a16:creationId xmlns:a16="http://schemas.microsoft.com/office/drawing/2014/main" id="{4ACAB392-5E6C-008A-272C-647B0D632F7E}"/>
+              </a:ext>
+            </a:extLst>
+          </p:cNvPr>
+          <p:cNvSpPr txBox="1"/>
+          <p:nvPr/>
+        </p:nvSpPr>
+        <p:spPr>
+          <a:xfrm>
+            <a:off x="7117278" y="4631899"/>
+            <a:ext cx="4429879" cy="1191032"/>
+          </a:xfrm>
+          <a:prstGeom prst="rect">
+            <a:avLst/>
+          </a:prstGeom>
+          <a:noFill/>
+        </p:spPr>
+        <p:txBody>
+          <a:bodyPr wrap="square" rtlCol="0">
+            <a:spAutoFit/>
+          </a:bodyPr>
+          <a:lstStyle/>
+          <a:p>
+            <a:pPr defTabSz="384048">
+              <a:spcAft>
+                <a:spcPts val="600"/>
+              </a:spcAft>
+            </a:pPr>
+            <a:r>
+              <a:rPr lang="en-US" sz="1428" kern="1200" dirty="0">
+                <a:solidFill>
+                  <a:schemeClr val="tx1"/>
+                </a:solidFill>
+                <a:latin typeface="Times New Roman" panose="02020603050405020304" pitchFamily="18" charset="0"/>
+                <a:ea typeface="+mn-ea"/>
+                <a:cs typeface="Times New Roman" panose="02020603050405020304" pitchFamily="18" charset="0"/>
+              </a:rPr>
+              <a:t>The word 'war' taken from the NRC Emotion Lexicon. While the term 'war' is typically considered a negative word with the emotion of fear therefore receiving a sentimental score of 1 for fear and 0 for the other emotions.</a:t>
+            </a:r>
+            <a:endParaRPr lang="en-IN" sz="1700" dirty="0">
+              <a:latin typeface="Times New Roman" panose="02020603050405020304" pitchFamily="18" charset="0"/>
+              <a:cs typeface="Times New Roman" panose="02020603050405020304" pitchFamily="18" charset="0"/>
+            </a:endParaRPr>
+          </a:p>
+        </p:txBody>
+      </p:sp>
     </p:spTree>
     <p:extLst>
       <p:ext uri="{BB962C8B-B14F-4D97-AF65-F5344CB8AC3E}">
-        <p14:creationId xmlns:p14="http://schemas.microsoft.com/office/powerpoint/2010/main" val="871304037"/>
+        <p14:creationId xmlns:p14="http://schemas.microsoft.com/office/powerpoint/2010/main" val="2674983359"/>
+      </p:ext>
+    </p:extLst>
+  </p:cSld>
+  <p:clrMapOvr>
+    <a:masterClrMapping/>
+  </p:clrMapOvr>
+</p:sld>
+</file>
+
+<file path=ppt/slides/slide7.xml><?xml version="1.0" encoding="utf-8"?>
+<p:sld xmlns:a="http://schemas.openxmlformats.org/drawingml/2006/main" xmlns:r="http://schemas.openxmlformats.org/officeDocument/2006/relationships" xmlns:p="http://schemas.openxmlformats.org/presentationml/2006/main">
+  <p:cSld>
+    <p:bg>
+      <p:bgPr>
+        <a:solidFill>
+          <a:schemeClr val="bg1"/>
+        </a:solidFill>
+        <a:effectLst/>
+      </p:bgPr>
+    </p:bg>
+    <p:spTree>
+      <p:nvGrpSpPr>
+        <p:cNvPr id="1" name=""/>
+        <p:cNvGrpSpPr/>
+        <p:nvPr/>
+      </p:nvGrpSpPr>
+      <p:grpSpPr>
+        <a:xfrm>
+          <a:off x="0" y="0"/>
+          <a:ext cx="0" cy="0"/>
+          <a:chOff x="0" y="0"/>
+          <a:chExt cx="0" cy="0"/>
+        </a:xfrm>
+      </p:grpSpPr>
+      <p:sp>
+        <p:nvSpPr>
+          <p:cNvPr id="2" name="Title 1">
+            <a:extLst>
+              <a:ext uri="{FF2B5EF4-FFF2-40B4-BE49-F238E27FC236}">
+                <a16:creationId xmlns:a16="http://schemas.microsoft.com/office/drawing/2014/main" id="{D3824275-38D9-CD7D-E214-E90C3E036620}"/>
+              </a:ext>
+            </a:extLst>
+          </p:cNvPr>
+          <p:cNvSpPr>
+            <a:spLocks noGrp="1"/>
+          </p:cNvSpPr>
+          <p:nvPr>
+            <p:ph type="title"/>
+          </p:nvPr>
+        </p:nvSpPr>
+        <p:spPr>
+          <a:xfrm>
+            <a:off x="429768" y="411480"/>
+            <a:ext cx="11201400" cy="1106424"/>
+          </a:xfrm>
+        </p:spPr>
+        <p:txBody>
+          <a:bodyPr>
+            <a:normAutofit fontScale="90000"/>
+          </a:bodyPr>
+          <a:lstStyle/>
+          <a:p>
+            <a:r>
+              <a:rPr lang="en-US" sz="3600" b="1">
+                <a:effectLst/>
+                <a:latin typeface="Times New Roman" panose="02020603050405020304" pitchFamily="18" charset="0"/>
+                <a:cs typeface="Arial" panose="020B0604020202020204" pitchFamily="34" charset="0"/>
+              </a:rPr>
+              <a:t> Emotion Extraction</a:t>
+            </a:r>
+            <a:br>
+              <a:rPr lang="en-IN" sz="3600" b="1">
+                <a:effectLst/>
+                <a:latin typeface="Times New Roman" panose="02020603050405020304" pitchFamily="18" charset="0"/>
+                <a:cs typeface="Arial" panose="020B0604020202020204" pitchFamily="34" charset="0"/>
+              </a:rPr>
+            </a:br>
+            <a:endParaRPr lang="en-IN" sz="3600" dirty="0"/>
+          </a:p>
+        </p:txBody>
+      </p:sp>
+      <p:sp>
+        <p:nvSpPr>
+          <p:cNvPr id="3" name="Content Placeholder 2">
+            <a:extLst>
+              <a:ext uri="{FF2B5EF4-FFF2-40B4-BE49-F238E27FC236}">
+                <a16:creationId xmlns:a16="http://schemas.microsoft.com/office/drawing/2014/main" id="{3116B8B8-6F84-82B3-9634-927705E7B349}"/>
+              </a:ext>
+            </a:extLst>
+          </p:cNvPr>
+          <p:cNvSpPr>
+            <a:spLocks noGrp="1"/>
+          </p:cNvSpPr>
+          <p:nvPr>
+            <p:ph idx="1"/>
+          </p:nvPr>
+        </p:nvSpPr>
+        <p:spPr>
+          <a:xfrm>
+            <a:off x="7938752" y="2020824"/>
+            <a:ext cx="3455097" cy="3959352"/>
+          </a:xfrm>
+        </p:spPr>
+        <p:txBody>
+          <a:bodyPr anchor="ctr">
+            <a:normAutofit/>
+          </a:bodyPr>
+          <a:lstStyle/>
+          <a:p>
+            <a:r>
+              <a:rPr lang="en-US" sz="1700" dirty="0">
+                <a:effectLst/>
+                <a:latin typeface="Times New Roman" panose="02020603050405020304" pitchFamily="18" charset="0"/>
+                <a:ea typeface="Times New Roman" panose="02020603050405020304" pitchFamily="18" charset="0"/>
+              </a:rPr>
+              <a:t>The code checks word appearing in text from NRC Emotion Lexicon. Once a match is found, the term is linked to the lexicon's definition of the category of emotions represented by those feelings(sadness," "anger," "fear," "joy," "trust," "disgust," "surprise," and "anticipation).</a:t>
+            </a:r>
+          </a:p>
+          <a:p>
+            <a:pPr marL="0" indent="0">
+              <a:buNone/>
+            </a:pPr>
+            <a:br>
+              <a:rPr lang="en-US" sz="1700" dirty="0">
+                <a:effectLst/>
+                <a:latin typeface="Times New Roman" panose="02020603050405020304" pitchFamily="18" charset="0"/>
+                <a:ea typeface="Times New Roman" panose="02020603050405020304" pitchFamily="18" charset="0"/>
+              </a:rPr>
+            </a:br>
+            <a:endParaRPr lang="en-US" sz="1700" dirty="0">
+              <a:effectLst/>
+              <a:latin typeface="Times New Roman" panose="02020603050405020304" pitchFamily="18" charset="0"/>
+              <a:ea typeface="Times New Roman" panose="02020603050405020304" pitchFamily="18" charset="0"/>
+            </a:endParaRPr>
+          </a:p>
+        </p:txBody>
+      </p:sp>
+      <p:pic>
+        <p:nvPicPr>
+          <p:cNvPr id="4" name="Picture 3" descr="A computer screen shot of text&#10;&#10;Description automatically generated">
+            <a:extLst>
+              <a:ext uri="{FF2B5EF4-FFF2-40B4-BE49-F238E27FC236}">
+                <a16:creationId xmlns:a16="http://schemas.microsoft.com/office/drawing/2014/main" id="{063CCBFF-18B9-87C1-4352-321DC3ECBD05}"/>
+              </a:ext>
+            </a:extLst>
+          </p:cNvPr>
+          <p:cNvPicPr>
+            <a:picLocks noChangeAspect="1"/>
+          </p:cNvPicPr>
+          <p:nvPr/>
+        </p:nvPicPr>
+        <p:blipFill>
+          <a:blip r:embed="rId2"/>
+          <a:stretch>
+            <a:fillRect/>
+          </a:stretch>
+        </p:blipFill>
+        <p:spPr>
+          <a:xfrm>
+            <a:off x="429768" y="2553348"/>
+            <a:ext cx="6702552" cy="2848584"/>
+          </a:xfrm>
+          <a:prstGeom prst="rect">
+            <a:avLst/>
+          </a:prstGeom>
+        </p:spPr>
+      </p:pic>
+      <p:sp>
+        <p:nvSpPr>
+          <p:cNvPr id="6" name="TextBox 5">
+            <a:extLst>
+              <a:ext uri="{FF2B5EF4-FFF2-40B4-BE49-F238E27FC236}">
+                <a16:creationId xmlns:a16="http://schemas.microsoft.com/office/drawing/2014/main" id="{8E9907EC-99DE-CDEC-0945-981A5F0861A7}"/>
+              </a:ext>
+            </a:extLst>
+          </p:cNvPr>
+          <p:cNvSpPr txBox="1"/>
+          <p:nvPr/>
+        </p:nvSpPr>
+        <p:spPr>
+          <a:xfrm>
+            <a:off x="429767" y="2068966"/>
+            <a:ext cx="2804169" cy="353943"/>
+          </a:xfrm>
+          <a:prstGeom prst="rect">
+            <a:avLst/>
+          </a:prstGeom>
+          <a:noFill/>
+        </p:spPr>
+        <p:txBody>
+          <a:bodyPr wrap="square" rtlCol="0">
+            <a:spAutoFit/>
+          </a:bodyPr>
+          <a:lstStyle/>
+          <a:p>
+            <a:r>
+              <a:rPr lang="en-US" sz="1700">
+                <a:latin typeface="Times New Roman" panose="02020603050405020304" pitchFamily="18" charset="0"/>
+                <a:cs typeface="Times New Roman" panose="02020603050405020304" pitchFamily="18" charset="0"/>
+              </a:rPr>
+              <a:t>Code Snippet:</a:t>
+            </a:r>
+            <a:endParaRPr lang="en-IN" sz="1700" dirty="0">
+              <a:latin typeface="Times New Roman" panose="02020603050405020304" pitchFamily="18" charset="0"/>
+              <a:cs typeface="Times New Roman" panose="02020603050405020304" pitchFamily="18" charset="0"/>
+            </a:endParaRPr>
+          </a:p>
+        </p:txBody>
+      </p:sp>
+    </p:spTree>
+    <p:extLst>
+      <p:ext uri="{BB962C8B-B14F-4D97-AF65-F5344CB8AC3E}">
+        <p14:creationId xmlns:p14="http://schemas.microsoft.com/office/powerpoint/2010/main" val="2699243183"/>
       </p:ext>
     </p:extLst>
   </p:cSld>
@@ -9554,6 +9877,238 @@
           <p:cNvPr id="2" name="Title 1">
             <a:extLst>
               <a:ext uri="{FF2B5EF4-FFF2-40B4-BE49-F238E27FC236}">
+                <a16:creationId xmlns:a16="http://schemas.microsoft.com/office/drawing/2014/main" id="{9ED84F7C-0A3E-30AE-A2AD-24CDED2D32C8}"/>
+              </a:ext>
+            </a:extLst>
+          </p:cNvPr>
+          <p:cNvSpPr>
+            <a:spLocks noGrp="1"/>
+          </p:cNvSpPr>
+          <p:nvPr>
+            <p:ph type="title"/>
+          </p:nvPr>
+        </p:nvSpPr>
+        <p:spPr>
+          <a:xfrm>
+            <a:off x="913795" y="609600"/>
+            <a:ext cx="10353762" cy="970450"/>
+          </a:xfrm>
+        </p:spPr>
+        <p:txBody>
+          <a:bodyPr>
+            <a:normAutofit/>
+          </a:bodyPr>
+          <a:lstStyle/>
+          <a:p>
+            <a:r>
+              <a:rPr lang="en-US" dirty="0">
+                <a:latin typeface="Times New Roman" panose="02020603050405020304" pitchFamily="18" charset="0"/>
+                <a:cs typeface="Times New Roman" panose="02020603050405020304" pitchFamily="18" charset="0"/>
+              </a:rPr>
+              <a:t>Sentiment Score Calculation and Labeling</a:t>
+            </a:r>
+            <a:endParaRPr lang="en-IN" dirty="0">
+              <a:latin typeface="Times New Roman" panose="02020603050405020304" pitchFamily="18" charset="0"/>
+              <a:cs typeface="Times New Roman" panose="02020603050405020304" pitchFamily="18" charset="0"/>
+            </a:endParaRPr>
+          </a:p>
+        </p:txBody>
+      </p:sp>
+      <p:sp>
+        <p:nvSpPr>
+          <p:cNvPr id="3" name="Content Placeholder 2">
+            <a:extLst>
+              <a:ext uri="{FF2B5EF4-FFF2-40B4-BE49-F238E27FC236}">
+                <a16:creationId xmlns:a16="http://schemas.microsoft.com/office/drawing/2014/main" id="{2000BA6E-AE63-D620-F198-ED2A02248DD2}"/>
+              </a:ext>
+            </a:extLst>
+          </p:cNvPr>
+          <p:cNvSpPr>
+            <a:spLocks noGrp="1"/>
+          </p:cNvSpPr>
+          <p:nvPr>
+            <p:ph idx="1"/>
+          </p:nvPr>
+        </p:nvSpPr>
+        <p:spPr>
+          <a:xfrm>
+            <a:off x="913795" y="1732449"/>
+            <a:ext cx="5546272" cy="4058751"/>
+          </a:xfrm>
+        </p:spPr>
+        <p:txBody>
+          <a:bodyPr anchor="ctr">
+            <a:normAutofit/>
+          </a:bodyPr>
+          <a:lstStyle/>
+          <a:p>
+            <a:pPr>
+              <a:buClr>
+                <a:srgbClr val="FF9C00"/>
+              </a:buClr>
+            </a:pPr>
+            <a:r>
+              <a:rPr lang="en-US" dirty="0">
+                <a:effectLst/>
+                <a:latin typeface="Times New Roman" panose="02020603050405020304" pitchFamily="18" charset="0"/>
+                <a:ea typeface="Times New Roman" panose="02020603050405020304" pitchFamily="18" charset="0"/>
+              </a:rPr>
+              <a:t>The difference between the positive and negative emotions can be measured. Thus, this helps in calculating the sentiment scores . </a:t>
+            </a:r>
+          </a:p>
+          <a:p>
+            <a:pPr>
+              <a:buClr>
+                <a:srgbClr val="FF9C00"/>
+              </a:buClr>
+            </a:pPr>
+            <a:r>
+              <a:rPr lang="en-US" dirty="0">
+                <a:effectLst/>
+                <a:latin typeface="Times New Roman" panose="02020603050405020304" pitchFamily="18" charset="0"/>
+                <a:ea typeface="Times New Roman" panose="02020603050405020304" pitchFamily="18" charset="0"/>
+              </a:rPr>
+              <a:t>Sentiment is intended to be labeled into discrete groups, such as highly positive, positive, neutral, negative, or highly negative, by using predetermined thresholds to enable classification.</a:t>
+            </a:r>
+          </a:p>
+          <a:p>
+            <a:pPr>
+              <a:buClr>
+                <a:srgbClr val="FF9C00"/>
+              </a:buClr>
+            </a:pPr>
+            <a:endParaRPr lang="en-IN" dirty="0"/>
+          </a:p>
+        </p:txBody>
+      </p:sp>
+      <p:pic>
+        <p:nvPicPr>
+          <p:cNvPr id="9" name="Picture 8">
+            <a:extLst>
+              <a:ext uri="{FF2B5EF4-FFF2-40B4-BE49-F238E27FC236}">
+                <a16:creationId xmlns:a16="http://schemas.microsoft.com/office/drawing/2014/main" id="{AD661026-DE64-47F1-9F88-0847B5FB3560}"/>
+              </a:ext>
+              <a:ext uri="{C183D7F6-B498-43B3-948B-1728B52AA6E4}">
+                <adec:decorative xmlns:adec="http://schemas.microsoft.com/office/drawing/2017/decorative" val="1"/>
+              </a:ext>
+            </a:extLst>
+          </p:cNvPr>
+          <p:cNvPicPr>
+            <a:picLocks noGrp="1" noRot="1" noChangeAspect="1" noMove="1" noResize="1" noEditPoints="1" noAdjustHandles="1" noChangeArrowheads="1" noChangeShapeType="1" noCrop="1"/>
+          </p:cNvPicPr>
+          <p:nvPr>
+            <p:extLst>
+              <p:ext uri="{386F3935-93C4-4BCD-93E2-E3B085C9AB24}">
+                <p16:designElem xmlns:p16="http://schemas.microsoft.com/office/powerpoint/2015/main" val="1"/>
+              </p:ext>
+            </p:extLst>
+          </p:nvPr>
+        </p:nvPicPr>
+        <p:blipFill>
+          <a:blip r:embed="rId3">
+            <a:extLst>
+              <a:ext uri="{28A0092B-C50C-407E-A947-70E740481C1C}">
+                <a14:useLocalDpi xmlns:a14="http://schemas.microsoft.com/office/drawing/2010/main" val="0"/>
+              </a:ext>
+            </a:extLst>
+          </a:blip>
+          <a:stretch>
+            <a:fillRect/>
+          </a:stretch>
+        </p:blipFill>
+        <p:spPr>
+          <a:xfrm>
+            <a:off x="6934200" y="1998132"/>
+            <a:ext cx="4333632" cy="3521077"/>
+          </a:xfrm>
+          <a:prstGeom prst="rect">
+            <a:avLst/>
+          </a:prstGeom>
+        </p:spPr>
+      </p:pic>
+      <p:pic>
+        <p:nvPicPr>
+          <p:cNvPr id="4" name="Picture 3" descr="A computer screen shot of a program&#10;&#10;Description automatically generated">
+            <a:extLst>
+              <a:ext uri="{FF2B5EF4-FFF2-40B4-BE49-F238E27FC236}">
+                <a16:creationId xmlns:a16="http://schemas.microsoft.com/office/drawing/2014/main" id="{E9129CBD-E1D0-4F0B-E070-CE4E92291EDD}"/>
+              </a:ext>
+            </a:extLst>
+          </p:cNvPr>
+          <p:cNvPicPr>
+            <a:picLocks noChangeAspect="1"/>
+          </p:cNvPicPr>
+          <p:nvPr/>
+        </p:nvPicPr>
+        <p:blipFill rotWithShape="1">
+          <a:blip r:embed="rId4"/>
+          <a:srcRect r="14550" b="5"/>
+          <a:stretch/>
+        </p:blipFill>
+        <p:spPr>
+          <a:xfrm>
+            <a:off x="7066560" y="2132822"/>
+            <a:ext cx="4065464" cy="3258006"/>
+          </a:xfrm>
+          <a:prstGeom prst="rect">
+            <a:avLst/>
+          </a:prstGeom>
+        </p:spPr>
+      </p:pic>
+    </p:spTree>
+    <p:extLst>
+      <p:ext uri="{BB962C8B-B14F-4D97-AF65-F5344CB8AC3E}">
+        <p14:creationId xmlns:p14="http://schemas.microsoft.com/office/powerpoint/2010/main" val="871304037"/>
+      </p:ext>
+    </p:extLst>
+  </p:cSld>
+  <p:clrMapOvr>
+    <a:masterClrMapping/>
+  </p:clrMapOvr>
+</p:sld>
+</file>
+
+<file path=ppt/slides/slide9.xml><?xml version="1.0" encoding="utf-8"?>
+<p:sld xmlns:a="http://schemas.openxmlformats.org/drawingml/2006/main" xmlns:r="http://schemas.openxmlformats.org/officeDocument/2006/relationships" xmlns:p="http://schemas.openxmlformats.org/presentationml/2006/main">
+  <p:cSld>
+    <p:bg>
+      <p:bgPr>
+        <a:blipFill rotWithShape="1">
+          <a:blip r:embed="rId2">
+            <a:duotone>
+              <a:schemeClr val="bg2">
+                <a:shade val="80000"/>
+                <a:lumMod val="80000"/>
+              </a:schemeClr>
+              <a:schemeClr val="bg2">
+                <a:tint val="98000"/>
+              </a:schemeClr>
+            </a:duotone>
+          </a:blip>
+          <a:stretch/>
+        </a:blipFill>
+        <a:effectLst/>
+      </p:bgPr>
+    </p:bg>
+    <p:spTree>
+      <p:nvGrpSpPr>
+        <p:cNvPr id="1" name=""/>
+        <p:cNvGrpSpPr/>
+        <p:nvPr/>
+      </p:nvGrpSpPr>
+      <p:grpSpPr>
+        <a:xfrm>
+          <a:off x="0" y="0"/>
+          <a:ext cx="0" cy="0"/>
+          <a:chOff x="0" y="0"/>
+          <a:chExt cx="0" cy="0"/>
+        </a:xfrm>
+      </p:grpSpPr>
+      <p:sp>
+        <p:nvSpPr>
+          <p:cNvPr id="2" name="Title 1">
+            <a:extLst>
+              <a:ext uri="{FF2B5EF4-FFF2-40B4-BE49-F238E27FC236}">
                 <a16:creationId xmlns:a16="http://schemas.microsoft.com/office/drawing/2014/main" id="{988DD7CD-616E-3AD7-6A9A-C1FB24CABA31}"/>
               </a:ext>
             </a:extLst>
@@ -9747,261 +10302,6 @@
     <p:extLst>
       <p:ext uri="{BB962C8B-B14F-4D97-AF65-F5344CB8AC3E}">
         <p14:creationId xmlns:p14="http://schemas.microsoft.com/office/powerpoint/2010/main" val="187726186"/>
-      </p:ext>
-    </p:extLst>
-  </p:cSld>
-  <p:clrMapOvr>
-    <a:masterClrMapping/>
-  </p:clrMapOvr>
-</p:sld>
-</file>
-
-<file path=ppt/slides/slide9.xml><?xml version="1.0" encoding="utf-8"?>
-<p:sld xmlns:a="http://schemas.openxmlformats.org/drawingml/2006/main" xmlns:r="http://schemas.openxmlformats.org/officeDocument/2006/relationships" xmlns:p="http://schemas.openxmlformats.org/presentationml/2006/main">
-  <p:cSld>
-    <p:spTree>
-      <p:nvGrpSpPr>
-        <p:cNvPr id="1" name=""/>
-        <p:cNvGrpSpPr/>
-        <p:nvPr/>
-      </p:nvGrpSpPr>
-      <p:grpSpPr>
-        <a:xfrm>
-          <a:off x="0" y="0"/>
-          <a:ext cx="0" cy="0"/>
-          <a:chOff x="0" y="0"/>
-          <a:chExt cx="0" cy="0"/>
-        </a:xfrm>
-      </p:grpSpPr>
-      <p:sp>
-        <p:nvSpPr>
-          <p:cNvPr id="2" name="Title 1">
-            <a:extLst>
-              <a:ext uri="{FF2B5EF4-FFF2-40B4-BE49-F238E27FC236}">
-                <a16:creationId xmlns:a16="http://schemas.microsoft.com/office/drawing/2014/main" id="{8A144283-2902-5B32-9EC7-50A9391C4F03}"/>
-              </a:ext>
-            </a:extLst>
-          </p:cNvPr>
-          <p:cNvSpPr>
-            <a:spLocks noGrp="1"/>
-          </p:cNvSpPr>
-          <p:nvPr>
-            <p:ph type="title"/>
-          </p:nvPr>
-        </p:nvSpPr>
-        <p:spPr/>
-        <p:txBody>
-          <a:bodyPr/>
-          <a:lstStyle/>
-          <a:p>
-            <a:r>
-              <a:rPr lang="en-US" dirty="0"/>
-              <a:t>Visualization </a:t>
-            </a:r>
-            <a:endParaRPr lang="en-IN" dirty="0"/>
-          </a:p>
-        </p:txBody>
-      </p:sp>
-      <p:sp>
-        <p:nvSpPr>
-          <p:cNvPr id="3" name="Content Placeholder 2">
-            <a:extLst>
-              <a:ext uri="{FF2B5EF4-FFF2-40B4-BE49-F238E27FC236}">
-                <a16:creationId xmlns:a16="http://schemas.microsoft.com/office/drawing/2014/main" id="{FDA49148-8DE8-52B8-587A-9A7CACF41173}"/>
-              </a:ext>
-            </a:extLst>
-          </p:cNvPr>
-          <p:cNvSpPr>
-            <a:spLocks noGrp="1"/>
-          </p:cNvSpPr>
-          <p:nvPr>
-            <p:ph idx="1"/>
-          </p:nvPr>
-        </p:nvSpPr>
-        <p:spPr/>
-        <p:txBody>
-          <a:bodyPr/>
-          <a:lstStyle/>
-          <a:p>
-            <a:pPr algn="l"/>
-            <a:r>
-              <a:rPr lang="en-US" b="0" i="0" dirty="0">
-                <a:effectLst/>
-                <a:latin typeface="Axiforma"/>
-              </a:rPr>
-              <a:t>With the help of Streamlit, created an online application for the emotional trends in Anne Frank's diary so that the users can analyze them. The program will show a real-time emotional counts, distribution of sentiment scores, word frequencies and the like by means of different charts, e.g., word clouds, pie charts, histograms, and line charts.</a:t>
-            </a:r>
-          </a:p>
-          <a:p>
-            <a:pPr algn="l"/>
-            <a:r>
-              <a:rPr lang="en-US" dirty="0">
-                <a:effectLst/>
-                <a:latin typeface="Axiforma"/>
-              </a:rPr>
-              <a:t>User</a:t>
-            </a:r>
-            <a:r>
-              <a:rPr lang="en-US" b="0" i="0" dirty="0">
-                <a:effectLst/>
-                <a:latin typeface="Axiforma"/>
-              </a:rPr>
-              <a:t> can develop the code for Streamlit application by creating a Python script (.</a:t>
-            </a:r>
-            <a:r>
-              <a:rPr lang="en-US" b="0" i="0" dirty="0" err="1">
-                <a:effectLst/>
-                <a:latin typeface="Axiforma"/>
-              </a:rPr>
-              <a:t>py</a:t>
-            </a:r>
-            <a:r>
-              <a:rPr lang="en-US" b="0" i="0" dirty="0">
-                <a:effectLst/>
-                <a:latin typeface="Axiforma"/>
-              </a:rPr>
-              <a:t> file).</a:t>
-            </a:r>
-          </a:p>
-          <a:p>
-            <a:r>
-              <a:rPr lang="en-US" dirty="0">
-                <a:solidFill>
-                  <a:schemeClr val="tx1"/>
-                </a:solidFill>
-                <a:effectLst/>
-                <a:latin typeface="Times New Roman" panose="02020603050405020304" pitchFamily="18" charset="0"/>
-                <a:cs typeface="Times New Roman" panose="02020603050405020304" pitchFamily="18" charset="0"/>
-              </a:rPr>
-              <a:t>Click </a:t>
-            </a:r>
-            <a:r>
-              <a:rPr lang="en-US" dirty="0">
-                <a:solidFill>
-                  <a:schemeClr val="tx1"/>
-                </a:solidFill>
-                <a:effectLst/>
-                <a:latin typeface="Times New Roman" panose="02020603050405020304" pitchFamily="18" charset="0"/>
-                <a:cs typeface="Times New Roman" panose="02020603050405020304" pitchFamily="18" charset="0"/>
-                <a:hlinkClick r:id="rId2"/>
-              </a:rPr>
-              <a:t>here</a:t>
-            </a:r>
-            <a:r>
-              <a:rPr lang="en-US" dirty="0">
-                <a:solidFill>
-                  <a:schemeClr val="tx1"/>
-                </a:solidFill>
-                <a:effectLst/>
-                <a:latin typeface="Times New Roman" panose="02020603050405020304" pitchFamily="18" charset="0"/>
-                <a:cs typeface="Times New Roman" panose="02020603050405020304" pitchFamily="18" charset="0"/>
-              </a:rPr>
-              <a:t> for Streamlit App’s Link.</a:t>
-            </a:r>
-            <a:endParaRPr lang="en-IN" dirty="0"/>
-          </a:p>
-        </p:txBody>
-      </p:sp>
-      <p:pic>
-        <p:nvPicPr>
-          <p:cNvPr id="2060" name="Picture 12" descr="Introduction to Streamlit and Streamlit Components">
-            <a:hlinkClick r:id="rId3"/>
-            <a:extLst>
-              <a:ext uri="{FF2B5EF4-FFF2-40B4-BE49-F238E27FC236}">
-                <a16:creationId xmlns:a16="http://schemas.microsoft.com/office/drawing/2014/main" id="{381AE749-6300-A9DA-9403-F02FC455E5D7}"/>
-              </a:ext>
-            </a:extLst>
-          </p:cNvPr>
-          <p:cNvPicPr>
-            <a:picLocks noChangeAspect="1" noChangeArrowheads="1"/>
-          </p:cNvPicPr>
-          <p:nvPr/>
-        </p:nvPicPr>
-        <p:blipFill>
-          <a:blip r:embed="rId4">
-            <a:extLst>
-              <a:ext uri="{28A0092B-C50C-407E-A947-70E740481C1C}">
-                <a14:useLocalDpi xmlns:a14="http://schemas.microsoft.com/office/drawing/2010/main" val="0"/>
-              </a:ext>
-            </a:extLst>
-          </a:blip>
-          <a:srcRect/>
-          <a:stretch>
-            <a:fillRect/>
-          </a:stretch>
-        </p:blipFill>
-        <p:spPr bwMode="auto">
-          <a:xfrm>
-            <a:off x="6520786" y="4322046"/>
-            <a:ext cx="1816970" cy="1632973"/>
-          </a:xfrm>
-          <a:prstGeom prst="rect">
-            <a:avLst/>
-          </a:prstGeom>
-          <a:noFill/>
-          <a:extLst>
-            <a:ext uri="{909E8E84-426E-40DD-AFC4-6F175D3DCCD1}">
-              <a14:hiddenFill xmlns:a14="http://schemas.microsoft.com/office/drawing/2010/main">
-                <a:solidFill>
-                  <a:srgbClr val="FFFFFF"/>
-                </a:solidFill>
-              </a14:hiddenFill>
-            </a:ext>
-          </a:extLst>
-        </p:spPr>
-      </p:pic>
-      <p:pic>
-        <p:nvPicPr>
-          <p:cNvPr id="2062" name="Picture 14" descr="Quick and easy text based game in python tutorial 2 - YouTube">
-            <a:hlinkClick r:id="rId5"/>
-            <a:extLst>
-              <a:ext uri="{FF2B5EF4-FFF2-40B4-BE49-F238E27FC236}">
-                <a16:creationId xmlns:a16="http://schemas.microsoft.com/office/drawing/2014/main" id="{C655B2C5-606A-C456-E653-E0B6120C6D1E}"/>
-              </a:ext>
-            </a:extLst>
-          </p:cNvPr>
-          <p:cNvPicPr>
-            <a:picLocks noChangeAspect="1" noChangeArrowheads="1"/>
-          </p:cNvPicPr>
-          <p:nvPr/>
-        </p:nvPicPr>
-        <p:blipFill>
-          <a:blip r:embed="rId6">
-            <a:extLst>
-              <a:ext uri="{28A0092B-C50C-407E-A947-70E740481C1C}">
-                <a14:useLocalDpi xmlns:a14="http://schemas.microsoft.com/office/drawing/2010/main" val="0"/>
-              </a:ext>
-            </a:extLst>
-          </a:blip>
-          <a:srcRect/>
-          <a:stretch>
-            <a:fillRect/>
-          </a:stretch>
-        </p:blipFill>
-        <p:spPr bwMode="auto">
-          <a:xfrm>
-            <a:off x="2823240" y="4354819"/>
-            <a:ext cx="2847975" cy="1600200"/>
-          </a:xfrm>
-          <a:prstGeom prst="rect">
-            <a:avLst/>
-          </a:prstGeom>
-          <a:noFill/>
-          <a:extLst>
-            <a:ext uri="{909E8E84-426E-40DD-AFC4-6F175D3DCCD1}">
-              <a14:hiddenFill xmlns:a14="http://schemas.microsoft.com/office/drawing/2010/main">
-                <a:solidFill>
-                  <a:srgbClr val="FFFFFF"/>
-                </a:solidFill>
-              </a14:hiddenFill>
-            </a:ext>
-          </a:extLst>
-        </p:spPr>
-      </p:pic>
-    </p:spTree>
-    <p:extLst>
-      <p:ext uri="{BB962C8B-B14F-4D97-AF65-F5344CB8AC3E}">
-        <p14:creationId xmlns:p14="http://schemas.microsoft.com/office/powerpoint/2010/main" val="1808486421"/>
       </p:ext>
     </p:extLst>
   </p:cSld>

--- a/Sentiment analysis of historical text.pptx
+++ b/Sentiment analysis of historical text.pptx
@@ -8096,7 +8096,7 @@
               </a:lnSpc>
             </a:pPr>
             <a:r>
-              <a:rPr lang="en-US" altLang="en-US" sz="1400" dirty="0">
+              <a:rPr lang="en-US" altLang="en-US" sz="1800" dirty="0">
                 <a:latin typeface="Times New Roman" panose="02020603050405020304" pitchFamily="18" charset="0"/>
                 <a:ea typeface="Calibri" panose="020F0502020204030204" pitchFamily="34" charset="0"/>
                 <a:cs typeface="Times New Roman" panose="02020603050405020304" pitchFamily="18" charset="0"/>
@@ -8111,28 +8111,12 @@
               </a:lnSpc>
             </a:pPr>
             <a:r>
-              <a:rPr lang="en-US" altLang="en-US" sz="1400" dirty="0">
+              <a:rPr lang="en-US" altLang="en-US" sz="1800" dirty="0">
                 <a:latin typeface="Times New Roman" panose="02020603050405020304" pitchFamily="18" charset="0"/>
                 <a:ea typeface="Calibri" panose="020F0502020204030204" pitchFamily="34" charset="0"/>
                 <a:cs typeface="Times New Roman" panose="02020603050405020304" pitchFamily="18" charset="0"/>
               </a:rPr>
-              <a:t>Anne Frank, a young girl residing in the Netherlands, got a diary as </a:t>
-            </a:r>
-            <a:r>
-              <a:rPr lang="en-US" altLang="en-US" sz="1400">
-                <a:latin typeface="Times New Roman" panose="02020603050405020304" pitchFamily="18" charset="0"/>
-                <a:ea typeface="Calibri" panose="020F0502020204030204" pitchFamily="34" charset="0"/>
-                <a:cs typeface="Times New Roman" panose="02020603050405020304" pitchFamily="18" charset="0"/>
-              </a:rPr>
-              <a:t>her 13th </a:t>
-            </a:r>
-            <a:r>
-              <a:rPr lang="en-US" altLang="en-US" sz="1400" dirty="0">
-                <a:latin typeface="Times New Roman" panose="02020603050405020304" pitchFamily="18" charset="0"/>
-                <a:ea typeface="Calibri" panose="020F0502020204030204" pitchFamily="34" charset="0"/>
-                <a:cs typeface="Times New Roman" panose="02020603050405020304" pitchFamily="18" charset="0"/>
-              </a:rPr>
-              <a:t>birthday gift on 12th June 1942 while hiding in a secret annex. she wrote her diary for 2 years in a period from July 1942 to July 1944. She died in the Holocaust when she was 15 years old. Her father published her diary in 1947 two years after the war ended.</a:t>
+              <a:t>Anne Frank, a young girl residing in the Netherlands, got a diary as her 13th birthday gift on 12th June 1942 while hiding in a secret annex. she wrote her diary for 2 years in a period from July 1942 to July 1944. She died in the Holocaust when she was 15 years old. Her father published her diary in 1947 two years after the war ended.</a:t>
             </a:r>
           </a:p>
           <a:p>
@@ -8142,29 +8126,13 @@
               </a:lnSpc>
             </a:pPr>
             <a:r>
-              <a:rPr lang="en-US" altLang="en-US" sz="1400" dirty="0">
+              <a:rPr lang="en-US" altLang="en-US" sz="1800" dirty="0">
                 <a:latin typeface="Times New Roman" panose="02020603050405020304" pitchFamily="18" charset="0"/>
                 <a:ea typeface="Calibri" panose="020F0502020204030204" pitchFamily="34" charset="0"/>
                 <a:cs typeface="Times New Roman" panose="02020603050405020304" pitchFamily="18" charset="0"/>
               </a:rPr>
-              <a:t>Anne Frank’s diary gives us access to the inner world of a young Jewish girl – her fears, thoughts and dreams that were set against the greatest tragedy the world has ever gone through – the World War II. Anne Frank's diary appeared to be an incredibly personal narrative— a tiny sparrow making an attempt to sing under the storm.</a:t>
-            </a:r>
-          </a:p>
-          <a:p>
-            <a:pPr>
-              <a:lnSpc>
-                <a:spcPct val="90000"/>
-              </a:lnSpc>
-            </a:pPr>
-            <a:r>
-              <a:rPr lang="en-US" altLang="en-US" sz="1400" dirty="0">
-                <a:latin typeface="Times New Roman" panose="02020603050405020304" pitchFamily="18" charset="0"/>
-                <a:ea typeface="Calibri" panose="020F0502020204030204" pitchFamily="34" charset="0"/>
-                <a:cs typeface="Times New Roman" panose="02020603050405020304" pitchFamily="18" charset="0"/>
-              </a:rPr>
-              <a:t>The emphasis of the research is on Anne Frank's emotional diary, which is an important historical document that presents us with a penetrating and vivid impression of that turbulent time.</a:t>
-            </a:r>
-            <a:endParaRPr lang="en-IN" sz="1400" dirty="0"/>
+              <a:t>Anne Frank’s diary gives us access to the inner world of a young Jewish girl – her fears, thoughts and dreams that were set against the greatest tragedy the world has ever gone through – the World War II. </a:t>
+            </a:r>
           </a:p>
         </p:txBody>
       </p:sp>
